--- a/clase4/teorica_4.pptx
+++ b/clase4/teorica_4.pptx
@@ -5,7 +5,7 @@
     <p:sldMasterId id="2147483659" r:id="rId1"/>
   </p:sldMasterIdLst>
   <p:notesMasterIdLst>
-    <p:notesMasterId r:id="rId25"/>
+    <p:notesMasterId r:id="rId24"/>
   </p:notesMasterIdLst>
   <p:sldIdLst>
     <p:sldId id="256" r:id="rId2"/>
@@ -30,28 +30,27 @@
     <p:sldId id="296" r:id="rId21"/>
     <p:sldId id="343" r:id="rId22"/>
     <p:sldId id="344" r:id="rId23"/>
-    <p:sldId id="345" r:id="rId24"/>
   </p:sldIdLst>
   <p:sldSz cx="9144000" cy="5143500" type="screen16x9"/>
   <p:notesSz cx="6858000" cy="9144000"/>
   <p:embeddedFontLst>
     <p:embeddedFont>
       <p:font typeface="Cambria Math" panose="02040503050406030204" pitchFamily="18" charset="0"/>
-      <p:regular r:id="rId26"/>
+      <p:regular r:id="rId25"/>
     </p:embeddedFont>
     <p:embeddedFont>
       <p:font typeface="Georgia" panose="02040502050405020303" pitchFamily="18" charset="0"/>
-      <p:regular r:id="rId27"/>
-      <p:bold r:id="rId28"/>
-      <p:italic r:id="rId29"/>
-      <p:boldItalic r:id="rId30"/>
+      <p:regular r:id="rId26"/>
+      <p:bold r:id="rId27"/>
+      <p:italic r:id="rId28"/>
+      <p:boldItalic r:id="rId29"/>
     </p:embeddedFont>
     <p:embeddedFont>
       <p:font typeface="Proxima Nova" panose="020B0604020202020204" charset="0"/>
-      <p:regular r:id="rId31"/>
-      <p:bold r:id="rId32"/>
-      <p:italic r:id="rId33"/>
-      <p:boldItalic r:id="rId34"/>
+      <p:regular r:id="rId30"/>
+      <p:bold r:id="rId31"/>
+      <p:italic r:id="rId32"/>
+      <p:boldItalic r:id="rId33"/>
     </p:embeddedFont>
   </p:embeddedFontLst>
   <p:defaultTextStyle>
@@ -2729,115 +2728,6 @@
     <p:extLst>
       <p:ext uri="{BB962C8B-B14F-4D97-AF65-F5344CB8AC3E}">
         <p14:creationId xmlns:p14="http://schemas.microsoft.com/office/powerpoint/2010/main" val="41915479"/>
-      </p:ext>
-    </p:extLst>
-  </p:cSld>
-  <p:clrMapOvr>
-    <a:masterClrMapping/>
-  </p:clrMapOvr>
-</p:notes>
-</file>
-
-<file path=ppt/notesSlides/notesSlide23.xml><?xml version="1.0" encoding="utf-8"?>
-<p:notes xmlns:a="http://schemas.openxmlformats.org/drawingml/2006/main" xmlns:r="http://schemas.openxmlformats.org/officeDocument/2006/relationships" xmlns:p="http://schemas.openxmlformats.org/presentationml/2006/main" showMasterSp="0" showMasterPhAnim="0">
-  <p:cSld>
-    <p:spTree>
-      <p:nvGrpSpPr>
-        <p:cNvPr id="1" name="Shape 149"/>
-        <p:cNvGrpSpPr/>
-        <p:nvPr/>
-      </p:nvGrpSpPr>
-      <p:grpSpPr>
-        <a:xfrm>
-          <a:off x="0" y="0"/>
-          <a:ext cx="0" cy="0"/>
-          <a:chOff x="0" y="0"/>
-          <a:chExt cx="0" cy="0"/>
-        </a:xfrm>
-      </p:grpSpPr>
-      <p:sp>
-        <p:nvSpPr>
-          <p:cNvPr id="150" name="Google Shape;150;ge626d24df6_0_216:notes"/>
-          <p:cNvSpPr>
-            <a:spLocks noGrp="1" noRot="1" noChangeAspect="1"/>
-          </p:cNvSpPr>
-          <p:nvPr>
-            <p:ph type="sldImg" idx="2"/>
-          </p:nvPr>
-        </p:nvSpPr>
-        <p:spPr>
-          <a:xfrm>
-            <a:off x="381000" y="685800"/>
-            <a:ext cx="6096000" cy="3429000"/>
-          </a:xfrm>
-          <a:custGeom>
-            <a:avLst/>
-            <a:gdLst/>
-            <a:ahLst/>
-            <a:cxnLst/>
-            <a:rect l="l" t="t" r="r" b="b"/>
-            <a:pathLst>
-              <a:path w="120000" h="120000" extrusionOk="0">
-                <a:moveTo>
-                  <a:pt x="0" y="0"/>
-                </a:moveTo>
-                <a:lnTo>
-                  <a:pt x="120000" y="0"/>
-                </a:lnTo>
-                <a:lnTo>
-                  <a:pt x="120000" y="120000"/>
-                </a:lnTo>
-                <a:lnTo>
-                  <a:pt x="0" y="120000"/>
-                </a:lnTo>
-                <a:close/>
-              </a:path>
-            </a:pathLst>
-          </a:custGeom>
-        </p:spPr>
-      </p:sp>
-      <p:sp>
-        <p:nvSpPr>
-          <p:cNvPr id="151" name="Google Shape;151;ge626d24df6_0_216:notes"/>
-          <p:cNvSpPr txBox="1">
-            <a:spLocks noGrp="1"/>
-          </p:cNvSpPr>
-          <p:nvPr>
-            <p:ph type="body" idx="1"/>
-          </p:nvPr>
-        </p:nvSpPr>
-        <p:spPr>
-          <a:xfrm>
-            <a:off x="685800" y="4343400"/>
-            <a:ext cx="5486400" cy="4114800"/>
-          </a:xfrm>
-          <a:prstGeom prst="rect">
-            <a:avLst/>
-          </a:prstGeom>
-        </p:spPr>
-        <p:txBody>
-          <a:bodyPr spcFirstLastPara="1" wrap="square" lIns="91425" tIns="91425" rIns="91425" bIns="91425" anchor="t" anchorCtr="0">
-            <a:noAutofit/>
-          </a:bodyPr>
-          <a:lstStyle/>
-          <a:p>
-            <a:pPr marL="0" lvl="0" indent="0" algn="l" rtl="0">
-              <a:spcBef>
-                <a:spcPts val="0"/>
-              </a:spcBef>
-              <a:spcAft>
-                <a:spcPts val="0"/>
-              </a:spcAft>
-              <a:buNone/>
-            </a:pPr>
-            <a:endParaRPr dirty="0"/>
-          </a:p>
-        </p:txBody>
-      </p:sp>
-    </p:spTree>
-    <p:extLst>
-      <p:ext uri="{BB962C8B-B14F-4D97-AF65-F5344CB8AC3E}">
-        <p14:creationId xmlns:p14="http://schemas.microsoft.com/office/powerpoint/2010/main" val="1986066983"/>
       </p:ext>
     </p:extLst>
   </p:cSld>
@@ -9358,7 +9248,15 @@
             </a:r>
             <a:r>
               <a:rPr lang="en-GB" dirty="0"/>
-              <a:t> no regression lineal?</a:t>
+              <a:t> no </a:t>
+            </a:r>
+            <a:r>
+              <a:rPr lang="en-GB" dirty="0" err="1"/>
+              <a:t>regresión</a:t>
+            </a:r>
+            <a:r>
+              <a:rPr lang="en-GB" dirty="0"/>
+              <a:t> lineal?</a:t>
             </a:r>
           </a:p>
         </p:txBody>
@@ -19507,8 +19405,8 @@
           </a:p>
         </p:txBody>
       </p:sp>
-      <mc:AlternateContent xmlns:mc="http://schemas.openxmlformats.org/markup-compatibility/2006" xmlns:a14="http://schemas.microsoft.com/office/drawing/2010/main">
-        <mc:Choice Requires="a14">
+      <mc:AlternateContent xmlns:mc="http://schemas.openxmlformats.org/markup-compatibility/2006">
+        <mc:Choice xmlns:a14="http://schemas.microsoft.com/office/drawing/2010/main" Requires="a14">
           <p:sp>
             <p:nvSpPr>
               <p:cNvPr id="2" name="CuadroTexto 1">
@@ -19523,7 +19421,7 @@
             </p:nvSpPr>
             <p:spPr>
               <a:xfrm>
-                <a:off x="2200940" y="369213"/>
+                <a:off x="2200940" y="532322"/>
                 <a:ext cx="3976576" cy="557781"/>
               </a:xfrm>
               <a:prstGeom prst="rect">
@@ -19932,7 +19830,7 @@
             </p:txBody>
           </p:sp>
         </mc:Choice>
-        <mc:Fallback xmlns="">
+        <mc:Fallback>
           <p:sp>
             <p:nvSpPr>
               <p:cNvPr id="2" name="CuadroTexto 1">
@@ -19949,7 +19847,7 @@
             </p:nvSpPr>
             <p:spPr>
               <a:xfrm>
-                <a:off x="2200940" y="369213"/>
+                <a:off x="2200940" y="532322"/>
                 <a:ext cx="3976576" cy="557781"/>
               </a:xfrm>
               <a:prstGeom prst="rect">
@@ -19958,7 +19856,7 @@
               <a:blipFill>
                 <a:blip r:embed="rId3"/>
                 <a:stretch>
-                  <a:fillRect b="-1099"/>
+                  <a:fillRect/>
                 </a:stretch>
               </a:blipFill>
             </p:spPr>
@@ -20176,1398 +20074,6 @@
     <p:extLst>
       <p:ext uri="{BB962C8B-B14F-4D97-AF65-F5344CB8AC3E}">
         <p14:creationId xmlns:p14="http://schemas.microsoft.com/office/powerpoint/2010/main" val="955395162"/>
-      </p:ext>
-    </p:extLst>
-  </p:cSld>
-  <p:clrMapOvr>
-    <a:masterClrMapping/>
-  </p:clrMapOvr>
-</p:sld>
-</file>
-
-<file path=ppt/slides/slide23.xml><?xml version="1.0" encoding="utf-8"?>
-<p:sld xmlns:a="http://schemas.openxmlformats.org/drawingml/2006/main" xmlns:r="http://schemas.openxmlformats.org/officeDocument/2006/relationships" xmlns:p="http://schemas.openxmlformats.org/presentationml/2006/main">
-  <p:cSld>
-    <p:spTree>
-      <p:nvGrpSpPr>
-        <p:cNvPr id="1" name="Shape 152"/>
-        <p:cNvGrpSpPr/>
-        <p:nvPr/>
-      </p:nvGrpSpPr>
-      <p:grpSpPr>
-        <a:xfrm>
-          <a:off x="0" y="0"/>
-          <a:ext cx="0" cy="0"/>
-          <a:chOff x="0" y="0"/>
-          <a:chExt cx="0" cy="0"/>
-        </a:xfrm>
-      </p:grpSpPr>
-      <mc:AlternateContent xmlns:mc="http://schemas.openxmlformats.org/markup-compatibility/2006" xmlns:a14="http://schemas.microsoft.com/office/drawing/2010/main">
-        <mc:Choice Requires="a14">
-          <p:sp>
-            <p:nvSpPr>
-              <p:cNvPr id="153" name="Google Shape;153;p27"/>
-              <p:cNvSpPr txBox="1">
-                <a:spLocks noGrp="1"/>
-              </p:cNvSpPr>
-              <p:nvPr>
-                <p:ph type="title"/>
-              </p:nvPr>
-            </p:nvSpPr>
-            <p:spPr>
-              <a:xfrm>
-                <a:off x="294073" y="524122"/>
-                <a:ext cx="8698951" cy="3558779"/>
-              </a:xfrm>
-              <a:prstGeom prst="rect">
-                <a:avLst/>
-              </a:prstGeom>
-            </p:spPr>
-            <p:txBody>
-              <a:bodyPr spcFirstLastPara="1" wrap="square" lIns="91425" tIns="91425" rIns="91425" bIns="91425" anchor="t" anchorCtr="0">
-                <a:normAutofit/>
-              </a:bodyPr>
-              <a:lstStyle/>
-              <a:p>
-                <a:pPr lvl="0"/>
-                <a:r>
-                  <a:rPr lang="es-MX" sz="1600" b="1" u="sng" dirty="0">
-                    <a:solidFill>
-                      <a:schemeClr val="accent3"/>
-                    </a:solidFill>
-                    <a:latin typeface="Proxima Nova" panose="020B0604020202020204" charset="0"/>
-                  </a:rPr>
-                  <a:t>Con 1 predictor</a:t>
-                </a:r>
-                <a:r>
-                  <a:rPr lang="es-MX" sz="1600" dirty="0">
-                    <a:solidFill>
-                      <a:schemeClr val="accent3"/>
-                    </a:solidFill>
-                    <a:latin typeface="Proxima Nova" panose="020B0604020202020204" charset="0"/>
-                  </a:rPr>
-                  <a:t>: ¿Cómo modelo la distribución de probabilidades a partir de los datos? Necesito una estimación de la media (</a:t>
-                </a:r>
-                <a14:m>
-                  <m:oMath xmlns:m="http://schemas.openxmlformats.org/officeDocument/2006/math">
-                    <m:sSub>
-                      <m:sSubPr>
-                        <m:ctrlPr>
-                          <a:rPr lang="es-AR" sz="1000" i="1" smtClean="0">
-                            <a:solidFill>
-                              <a:schemeClr val="tx1"/>
-                            </a:solidFill>
-                            <a:latin typeface="Cambria Math" panose="02040503050406030204" pitchFamily="18" charset="0"/>
-                            <a:ea typeface="Cambria Math" panose="02040503050406030204" pitchFamily="18" charset="0"/>
-                          </a:rPr>
-                        </m:ctrlPr>
-                      </m:sSubPr>
-                      <m:e>
-                        <m:acc>
-                          <m:accPr>
-                            <m:chr m:val="̂"/>
-                            <m:ctrlPr>
-                              <a:rPr lang="es-MX" sz="1000" i="1">
-                                <a:latin typeface="Cambria Math" panose="02040503050406030204" pitchFamily="18" charset="0"/>
-                                <a:ea typeface="Cambria Math" panose="02040503050406030204" pitchFamily="18" charset="0"/>
-                              </a:rPr>
-                            </m:ctrlPr>
-                          </m:accPr>
-                          <m:e>
-                            <m:r>
-                              <a:rPr lang="es-MX" sz="1000" i="1">
-                                <a:latin typeface="Cambria Math" panose="02040503050406030204" pitchFamily="18" charset="0"/>
-                                <a:ea typeface="Cambria Math" panose="02040503050406030204" pitchFamily="18" charset="0"/>
-                              </a:rPr>
-                              <m:t>𝜇</m:t>
-                            </m:r>
-                          </m:e>
-                        </m:acc>
-                      </m:e>
-                      <m:sub>
-                        <m:r>
-                          <a:rPr lang="es-MX" sz="1000" i="1">
-                            <a:solidFill>
-                              <a:schemeClr val="tx1"/>
-                            </a:solidFill>
-                            <a:latin typeface="Cambria Math" panose="02040503050406030204" pitchFamily="18" charset="0"/>
-                            <a:ea typeface="Cambria Math" panose="02040503050406030204" pitchFamily="18" charset="0"/>
-                          </a:rPr>
-                          <m:t>𝑘</m:t>
-                        </m:r>
-                      </m:sub>
-                    </m:sSub>
-                  </m:oMath>
-                </a14:m>
-                <a:r>
-                  <a:rPr lang="es-MX" sz="1600" dirty="0">
-                    <a:solidFill>
-                      <a:schemeClr val="accent3"/>
-                    </a:solidFill>
-                    <a:latin typeface="Proxima Nova" panose="020B0604020202020204" charset="0"/>
-                  </a:rPr>
-                  <a:t>) que presenta X para cada clase de Y, de la varianza (</a:t>
-                </a:r>
-                <a14:m>
-                  <m:oMath xmlns:m="http://schemas.openxmlformats.org/officeDocument/2006/math">
-                    <m:acc>
-                      <m:accPr>
-                        <m:chr m:val="̂"/>
-                        <m:ctrlPr>
-                          <a:rPr lang="es-MX" sz="1600" i="1">
-                            <a:latin typeface="Cambria Math" panose="02040503050406030204" pitchFamily="18" charset="0"/>
-                            <a:ea typeface="Cambria Math" panose="02040503050406030204" pitchFamily="18" charset="0"/>
-                          </a:rPr>
-                        </m:ctrlPr>
-                      </m:accPr>
-                      <m:e>
-                        <m:sSup>
-                          <m:sSupPr>
-                            <m:ctrlPr>
-                              <a:rPr lang="es-MX" sz="1600" i="1">
-                                <a:latin typeface="Cambria Math" panose="02040503050406030204" pitchFamily="18" charset="0"/>
-                                <a:ea typeface="Cambria Math" panose="02040503050406030204" pitchFamily="18" charset="0"/>
-                              </a:rPr>
-                            </m:ctrlPr>
-                          </m:sSupPr>
-                          <m:e>
-                            <m:r>
-                              <m:rPr>
-                                <m:nor/>
-                              </m:rPr>
-                              <a:rPr lang="el-GR" sz="1600">
-                                <a:latin typeface="Proxima Nova" panose="020B0604020202020204" charset="0"/>
-                              </a:rPr>
-                              <m:t>σ</m:t>
-                            </m:r>
-                          </m:e>
-                          <m:sup>
-                            <m:r>
-                              <a:rPr lang="es-MX" sz="1600" i="1">
-                                <a:latin typeface="Cambria Math" panose="02040503050406030204" pitchFamily="18" charset="0"/>
-                                <a:ea typeface="Cambria Math" panose="02040503050406030204" pitchFamily="18" charset="0"/>
-                              </a:rPr>
-                              <m:t>2</m:t>
-                            </m:r>
-                          </m:sup>
-                        </m:sSup>
-                      </m:e>
-                    </m:acc>
-                  </m:oMath>
-                </a14:m>
-                <a:r>
-                  <a:rPr lang="es-MX" sz="1600" dirty="0">
-                    <a:solidFill>
-                      <a:schemeClr val="accent3"/>
-                    </a:solidFill>
-                    <a:latin typeface="Proxima Nova" panose="020B0604020202020204" charset="0"/>
-                  </a:rPr>
-                  <a:t>), así como una estimación de la probabilidad de ocurrencia de cada clase de Y (</a:t>
-                </a:r>
-                <a14:m>
-                  <m:oMath xmlns:m="http://schemas.openxmlformats.org/officeDocument/2006/math">
-                    <m:sSub>
-                      <m:sSubPr>
-                        <m:ctrlPr>
-                          <a:rPr lang="es-AR" sz="1600" i="1">
-                            <a:latin typeface="Cambria Math" panose="02040503050406030204" pitchFamily="18" charset="0"/>
-                          </a:rPr>
-                        </m:ctrlPr>
-                      </m:sSubPr>
-                      <m:e>
-                        <m:r>
-                          <a:rPr lang="es-MX" sz="1600" i="1">
-                            <a:latin typeface="Cambria Math" panose="02040503050406030204" pitchFamily="18" charset="0"/>
-                            <a:ea typeface="Cambria Math" panose="02040503050406030204" pitchFamily="18" charset="0"/>
-                          </a:rPr>
-                          <m:t>𝜋</m:t>
-                        </m:r>
-                      </m:e>
-                      <m:sub>
-                        <m:r>
-                          <a:rPr lang="es-MX" sz="1600" i="1">
-                            <a:latin typeface="Cambria Math" panose="02040503050406030204" pitchFamily="18" charset="0"/>
-                          </a:rPr>
-                          <m:t>𝑘</m:t>
-                        </m:r>
-                      </m:sub>
-                    </m:sSub>
-                  </m:oMath>
-                </a14:m>
-                <a:r>
-                  <a:rPr lang="es-MX" sz="1600" dirty="0">
-                    <a:solidFill>
-                      <a:schemeClr val="accent3"/>
-                    </a:solidFill>
-                    <a:latin typeface="Proxima Nova" panose="020B0604020202020204" charset="0"/>
-                  </a:rPr>
-                  <a:t>)</a:t>
-                </a:r>
-                <a:br>
-                  <a:rPr lang="es-MX" sz="1600" dirty="0">
-                    <a:solidFill>
-                      <a:schemeClr val="accent3"/>
-                    </a:solidFill>
-                    <a:latin typeface="Proxima Nova" panose="020B0604020202020204" charset="0"/>
-                  </a:rPr>
-                </a:br>
-                <a:br>
-                  <a:rPr lang="es-MX" sz="1600" dirty="0">
-                    <a:solidFill>
-                      <a:schemeClr val="accent3"/>
-                    </a:solidFill>
-                    <a:latin typeface="Proxima Nova" panose="020B0604020202020204" charset="0"/>
-                  </a:rPr>
-                </a:br>
-                <a:br>
-                  <a:rPr lang="es-MX" sz="1600" dirty="0">
-                    <a:solidFill>
-                      <a:schemeClr val="accent3"/>
-                    </a:solidFill>
-                    <a:latin typeface="Proxima Nova" panose="020B0604020202020204" charset="0"/>
-                  </a:rPr>
-                </a:br>
-                <a:br>
-                  <a:rPr lang="es-MX" sz="1600" dirty="0">
-                    <a:solidFill>
-                      <a:schemeClr val="accent3"/>
-                    </a:solidFill>
-                    <a:latin typeface="Proxima Nova" panose="020B0604020202020204" charset="0"/>
-                  </a:rPr>
-                </a:br>
-                <a:br>
-                  <a:rPr lang="es-MX" sz="1600" dirty="0">
-                    <a:solidFill>
-                      <a:schemeClr val="accent3"/>
-                    </a:solidFill>
-                    <a:latin typeface="Proxima Nova" panose="020B0604020202020204" charset="0"/>
-                  </a:rPr>
-                </a:br>
-                <a:br>
-                  <a:rPr lang="es-MX" sz="1600" dirty="0">
-                    <a:solidFill>
-                      <a:schemeClr val="accent3"/>
-                    </a:solidFill>
-                    <a:latin typeface="Proxima Nova" panose="020B0604020202020204" charset="0"/>
-                  </a:rPr>
-                </a:br>
-                <a:endParaRPr lang="es-MX" sz="1600" dirty="0">
-                  <a:solidFill>
-                    <a:schemeClr val="accent3"/>
-                  </a:solidFill>
-                  <a:latin typeface="Proxima Nova" panose="020B0604020202020204" charset="0"/>
-                </a:endParaRPr>
-              </a:p>
-            </p:txBody>
-          </p:sp>
-        </mc:Choice>
-        <mc:Fallback xmlns="">
-          <p:sp>
-            <p:nvSpPr>
-              <p:cNvPr id="153" name="Google Shape;153;p27"/>
-              <p:cNvSpPr txBox="1">
-                <a:spLocks noGrp="1" noRot="1" noChangeAspect="1" noMove="1" noResize="1" noEditPoints="1" noAdjustHandles="1" noChangeArrowheads="1" noChangeShapeType="1" noTextEdit="1"/>
-              </p:cNvSpPr>
-              <p:nvPr>
-                <p:ph type="title"/>
-              </p:nvPr>
-            </p:nvSpPr>
-            <p:spPr>
-              <a:xfrm>
-                <a:off x="294073" y="524122"/>
-                <a:ext cx="8698951" cy="3558779"/>
-              </a:xfrm>
-              <a:prstGeom prst="rect">
-                <a:avLst/>
-              </a:prstGeom>
-              <a:blipFill>
-                <a:blip r:embed="rId3"/>
-                <a:stretch>
-                  <a:fillRect l="-350"/>
-                </a:stretch>
-              </a:blipFill>
-            </p:spPr>
-            <p:txBody>
-              <a:bodyPr/>
-              <a:lstStyle/>
-              <a:p>
-                <a:r>
-                  <a:rPr lang="es-AR">
-                    <a:noFill/>
-                  </a:rPr>
-                  <a:t> </a:t>
-                </a:r>
-              </a:p>
-            </p:txBody>
-          </p:sp>
-        </mc:Fallback>
-      </mc:AlternateContent>
-      <p:sp>
-        <p:nvSpPr>
-          <p:cNvPr id="6" name="Google Shape;284;p49">
-            <a:extLst>
-              <a:ext uri="{FF2B5EF4-FFF2-40B4-BE49-F238E27FC236}">
-                <a16:creationId xmlns:a16="http://schemas.microsoft.com/office/drawing/2014/main" id="{2AFFEA2A-DEA6-98B4-9A63-F518D794CCD7}"/>
-              </a:ext>
-            </a:extLst>
-          </p:cNvPr>
-          <p:cNvSpPr txBox="1">
-            <a:spLocks/>
-          </p:cNvSpPr>
-          <p:nvPr/>
-        </p:nvSpPr>
-        <p:spPr>
-          <a:xfrm>
-            <a:off x="329327" y="13759"/>
-            <a:ext cx="8520600" cy="572700"/>
-          </a:xfrm>
-          <a:prstGeom prst="rect">
-            <a:avLst/>
-          </a:prstGeom>
-          <a:noFill/>
-          <a:ln>
-            <a:noFill/>
-          </a:ln>
-        </p:spPr>
-        <p:txBody>
-          <a:bodyPr spcFirstLastPara="1" wrap="square" lIns="91425" tIns="91425" rIns="91425" bIns="91425" anchor="t" anchorCtr="0">
-            <a:normAutofit fontScale="97500"/>
-          </a:bodyPr>
-          <a:lstStyle>
-            <a:defPPr marR="0" lvl="0" algn="l" rtl="0">
-              <a:lnSpc>
-                <a:spcPct val="100000"/>
-              </a:lnSpc>
-              <a:spcBef>
-                <a:spcPts val="0"/>
-              </a:spcBef>
-              <a:spcAft>
-                <a:spcPts val="0"/>
-              </a:spcAft>
-            </a:defPPr>
-            <a:lvl1pPr marR="0" lvl="0" algn="l" rtl="0">
-              <a:lnSpc>
-                <a:spcPct val="100000"/>
-              </a:lnSpc>
-              <a:spcBef>
-                <a:spcPts val="0"/>
-              </a:spcBef>
-              <a:spcAft>
-                <a:spcPts val="0"/>
-              </a:spcAft>
-              <a:buClr>
-                <a:schemeClr val="dk1"/>
-              </a:buClr>
-              <a:buSzPts val="2800"/>
-              <a:buFont typeface="Proxima Nova"/>
-              <a:buNone/>
-              <a:defRPr sz="2800" b="0" i="0" u="none" strike="noStrike" cap="none">
-                <a:solidFill>
-                  <a:schemeClr val="dk1"/>
-                </a:solidFill>
-                <a:latin typeface="Proxima Nova"/>
-                <a:ea typeface="Proxima Nova"/>
-                <a:cs typeface="Proxima Nova"/>
-                <a:sym typeface="Proxima Nova"/>
-              </a:defRPr>
-            </a:lvl1pPr>
-            <a:lvl2pPr marR="0" lvl="1" algn="l" rtl="0">
-              <a:lnSpc>
-                <a:spcPct val="100000"/>
-              </a:lnSpc>
-              <a:spcBef>
-                <a:spcPts val="0"/>
-              </a:spcBef>
-              <a:spcAft>
-                <a:spcPts val="0"/>
-              </a:spcAft>
-              <a:buClr>
-                <a:schemeClr val="dk1"/>
-              </a:buClr>
-              <a:buSzPts val="2800"/>
-              <a:buFont typeface="Proxima Nova"/>
-              <a:buNone/>
-              <a:defRPr sz="2800" b="0" i="0" u="none" strike="noStrike" cap="none">
-                <a:solidFill>
-                  <a:schemeClr val="dk1"/>
-                </a:solidFill>
-                <a:latin typeface="Proxima Nova"/>
-                <a:ea typeface="Proxima Nova"/>
-                <a:cs typeface="Proxima Nova"/>
-                <a:sym typeface="Proxima Nova"/>
-              </a:defRPr>
-            </a:lvl2pPr>
-            <a:lvl3pPr marR="0" lvl="2" algn="l" rtl="0">
-              <a:lnSpc>
-                <a:spcPct val="100000"/>
-              </a:lnSpc>
-              <a:spcBef>
-                <a:spcPts val="0"/>
-              </a:spcBef>
-              <a:spcAft>
-                <a:spcPts val="0"/>
-              </a:spcAft>
-              <a:buClr>
-                <a:schemeClr val="dk1"/>
-              </a:buClr>
-              <a:buSzPts val="2800"/>
-              <a:buFont typeface="Proxima Nova"/>
-              <a:buNone/>
-              <a:defRPr sz="2800" b="0" i="0" u="none" strike="noStrike" cap="none">
-                <a:solidFill>
-                  <a:schemeClr val="dk1"/>
-                </a:solidFill>
-                <a:latin typeface="Proxima Nova"/>
-                <a:ea typeface="Proxima Nova"/>
-                <a:cs typeface="Proxima Nova"/>
-                <a:sym typeface="Proxima Nova"/>
-              </a:defRPr>
-            </a:lvl3pPr>
-            <a:lvl4pPr marR="0" lvl="3" algn="l" rtl="0">
-              <a:lnSpc>
-                <a:spcPct val="100000"/>
-              </a:lnSpc>
-              <a:spcBef>
-                <a:spcPts val="0"/>
-              </a:spcBef>
-              <a:spcAft>
-                <a:spcPts val="0"/>
-              </a:spcAft>
-              <a:buClr>
-                <a:schemeClr val="dk1"/>
-              </a:buClr>
-              <a:buSzPts val="2800"/>
-              <a:buFont typeface="Proxima Nova"/>
-              <a:buNone/>
-              <a:defRPr sz="2800" b="0" i="0" u="none" strike="noStrike" cap="none">
-                <a:solidFill>
-                  <a:schemeClr val="dk1"/>
-                </a:solidFill>
-                <a:latin typeface="Proxima Nova"/>
-                <a:ea typeface="Proxima Nova"/>
-                <a:cs typeface="Proxima Nova"/>
-                <a:sym typeface="Proxima Nova"/>
-              </a:defRPr>
-            </a:lvl4pPr>
-            <a:lvl5pPr marR="0" lvl="4" algn="l" rtl="0">
-              <a:lnSpc>
-                <a:spcPct val="100000"/>
-              </a:lnSpc>
-              <a:spcBef>
-                <a:spcPts val="0"/>
-              </a:spcBef>
-              <a:spcAft>
-                <a:spcPts val="0"/>
-              </a:spcAft>
-              <a:buClr>
-                <a:schemeClr val="dk1"/>
-              </a:buClr>
-              <a:buSzPts val="2800"/>
-              <a:buFont typeface="Proxima Nova"/>
-              <a:buNone/>
-              <a:defRPr sz="2800" b="0" i="0" u="none" strike="noStrike" cap="none">
-                <a:solidFill>
-                  <a:schemeClr val="dk1"/>
-                </a:solidFill>
-                <a:latin typeface="Proxima Nova"/>
-                <a:ea typeface="Proxima Nova"/>
-                <a:cs typeface="Proxima Nova"/>
-                <a:sym typeface="Proxima Nova"/>
-              </a:defRPr>
-            </a:lvl5pPr>
-            <a:lvl6pPr marR="0" lvl="5" algn="l" rtl="0">
-              <a:lnSpc>
-                <a:spcPct val="100000"/>
-              </a:lnSpc>
-              <a:spcBef>
-                <a:spcPts val="0"/>
-              </a:spcBef>
-              <a:spcAft>
-                <a:spcPts val="0"/>
-              </a:spcAft>
-              <a:buClr>
-                <a:schemeClr val="dk1"/>
-              </a:buClr>
-              <a:buSzPts val="2800"/>
-              <a:buFont typeface="Proxima Nova"/>
-              <a:buNone/>
-              <a:defRPr sz="2800" b="0" i="0" u="none" strike="noStrike" cap="none">
-                <a:solidFill>
-                  <a:schemeClr val="dk1"/>
-                </a:solidFill>
-                <a:latin typeface="Proxima Nova"/>
-                <a:ea typeface="Proxima Nova"/>
-                <a:cs typeface="Proxima Nova"/>
-                <a:sym typeface="Proxima Nova"/>
-              </a:defRPr>
-            </a:lvl6pPr>
-            <a:lvl7pPr marR="0" lvl="6" algn="l" rtl="0">
-              <a:lnSpc>
-                <a:spcPct val="100000"/>
-              </a:lnSpc>
-              <a:spcBef>
-                <a:spcPts val="0"/>
-              </a:spcBef>
-              <a:spcAft>
-                <a:spcPts val="0"/>
-              </a:spcAft>
-              <a:buClr>
-                <a:schemeClr val="dk1"/>
-              </a:buClr>
-              <a:buSzPts val="2800"/>
-              <a:buFont typeface="Proxima Nova"/>
-              <a:buNone/>
-              <a:defRPr sz="2800" b="0" i="0" u="none" strike="noStrike" cap="none">
-                <a:solidFill>
-                  <a:schemeClr val="dk1"/>
-                </a:solidFill>
-                <a:latin typeface="Proxima Nova"/>
-                <a:ea typeface="Proxima Nova"/>
-                <a:cs typeface="Proxima Nova"/>
-                <a:sym typeface="Proxima Nova"/>
-              </a:defRPr>
-            </a:lvl7pPr>
-            <a:lvl8pPr marR="0" lvl="7" algn="l" rtl="0">
-              <a:lnSpc>
-                <a:spcPct val="100000"/>
-              </a:lnSpc>
-              <a:spcBef>
-                <a:spcPts val="0"/>
-              </a:spcBef>
-              <a:spcAft>
-                <a:spcPts val="0"/>
-              </a:spcAft>
-              <a:buClr>
-                <a:schemeClr val="dk1"/>
-              </a:buClr>
-              <a:buSzPts val="2800"/>
-              <a:buFont typeface="Proxima Nova"/>
-              <a:buNone/>
-              <a:defRPr sz="2800" b="0" i="0" u="none" strike="noStrike" cap="none">
-                <a:solidFill>
-                  <a:schemeClr val="dk1"/>
-                </a:solidFill>
-                <a:latin typeface="Proxima Nova"/>
-                <a:ea typeface="Proxima Nova"/>
-                <a:cs typeface="Proxima Nova"/>
-                <a:sym typeface="Proxima Nova"/>
-              </a:defRPr>
-            </a:lvl8pPr>
-            <a:lvl9pPr marR="0" lvl="8" algn="l" rtl="0">
-              <a:lnSpc>
-                <a:spcPct val="100000"/>
-              </a:lnSpc>
-              <a:spcBef>
-                <a:spcPts val="0"/>
-              </a:spcBef>
-              <a:spcAft>
-                <a:spcPts val="0"/>
-              </a:spcAft>
-              <a:buClr>
-                <a:schemeClr val="dk1"/>
-              </a:buClr>
-              <a:buSzPts val="2800"/>
-              <a:buFont typeface="Proxima Nova"/>
-              <a:buNone/>
-              <a:defRPr sz="2800" b="0" i="0" u="none" strike="noStrike" cap="none">
-                <a:solidFill>
-                  <a:schemeClr val="dk1"/>
-                </a:solidFill>
-                <a:latin typeface="Proxima Nova"/>
-                <a:ea typeface="Proxima Nova"/>
-                <a:cs typeface="Proxima Nova"/>
-                <a:sym typeface="Proxima Nova"/>
-              </a:defRPr>
-            </a:lvl9pPr>
-          </a:lstStyle>
-          <a:p>
-            <a:r>
-              <a:rPr lang="en-GB" sz="2000" dirty="0">
-                <a:latin typeface="+mj-lt"/>
-              </a:rPr>
-              <a:t>Linear Discriminant Analysis</a:t>
-            </a:r>
-          </a:p>
-        </p:txBody>
-      </p:sp>
-      <p:pic>
-        <p:nvPicPr>
-          <p:cNvPr id="3" name="Imagen 2">
-            <a:extLst>
-              <a:ext uri="{FF2B5EF4-FFF2-40B4-BE49-F238E27FC236}">
-                <a16:creationId xmlns:a16="http://schemas.microsoft.com/office/drawing/2014/main" id="{916C4B79-C0BF-631A-3824-F7CBF4310310}"/>
-              </a:ext>
-            </a:extLst>
-          </p:cNvPr>
-          <p:cNvPicPr>
-            <a:picLocks noChangeAspect="1"/>
-          </p:cNvPicPr>
-          <p:nvPr/>
-        </p:nvPicPr>
-        <p:blipFill>
-          <a:blip r:embed="rId4"/>
-          <a:stretch>
-            <a:fillRect/>
-          </a:stretch>
-        </p:blipFill>
-        <p:spPr>
-          <a:xfrm>
-            <a:off x="150976" y="1447697"/>
-            <a:ext cx="4991100" cy="3067050"/>
-          </a:xfrm>
-          <a:prstGeom prst="rect">
-            <a:avLst/>
-          </a:prstGeom>
-        </p:spPr>
-      </p:pic>
-      <mc:AlternateContent xmlns:mc="http://schemas.openxmlformats.org/markup-compatibility/2006" xmlns:a14="http://schemas.microsoft.com/office/drawing/2010/main">
-        <mc:Choice Requires="a14">
-          <p:sp>
-            <p:nvSpPr>
-              <p:cNvPr id="5" name="CuadroTexto 4">
-                <a:extLst>
-                  <a:ext uri="{FF2B5EF4-FFF2-40B4-BE49-F238E27FC236}">
-                    <a16:creationId xmlns:a16="http://schemas.microsoft.com/office/drawing/2014/main" id="{676CDFA1-215D-9513-59AC-4FAB54345D3B}"/>
-                  </a:ext>
-                </a:extLst>
-              </p:cNvPr>
-              <p:cNvSpPr txBox="1"/>
-              <p:nvPr/>
-            </p:nvSpPr>
-            <p:spPr>
-              <a:xfrm>
-                <a:off x="4643548" y="1734777"/>
-                <a:ext cx="4572000" cy="2571923"/>
-              </a:xfrm>
-              <a:prstGeom prst="rect">
-                <a:avLst/>
-              </a:prstGeom>
-              <a:noFill/>
-            </p:spPr>
-            <p:txBody>
-              <a:bodyPr wrap="square">
-                <a:spAutoFit/>
-              </a:bodyPr>
-              <a:lstStyle/>
-              <a:p>
-                <a:pPr/>
-                <a14:m>
-                  <m:oMathPara xmlns:m="http://schemas.openxmlformats.org/officeDocument/2006/math">
-                    <m:oMathParaPr>
-                      <m:jc m:val="centerGroup"/>
-                    </m:oMathParaPr>
-                    <m:oMath xmlns:m="http://schemas.openxmlformats.org/officeDocument/2006/math">
-                      <m:sSub>
-                        <m:sSubPr>
-                          <m:ctrlPr>
-                            <a:rPr lang="es-AR" i="1" smtClean="0">
-                              <a:solidFill>
-                                <a:schemeClr val="tx1"/>
-                              </a:solidFill>
-                              <a:latin typeface="Cambria Math" panose="02040503050406030204" pitchFamily="18" charset="0"/>
-                              <a:ea typeface="Cambria Math" panose="02040503050406030204" pitchFamily="18" charset="0"/>
-                            </a:rPr>
-                          </m:ctrlPr>
-                        </m:sSubPr>
-                        <m:e>
-                          <m:acc>
-                            <m:accPr>
-                              <m:chr m:val="̂"/>
-                              <m:ctrlPr>
-                                <a:rPr lang="es-MX" i="1">
-                                  <a:latin typeface="Cambria Math" panose="02040503050406030204" pitchFamily="18" charset="0"/>
-                                  <a:ea typeface="Cambria Math" panose="02040503050406030204" pitchFamily="18" charset="0"/>
-                                </a:rPr>
-                              </m:ctrlPr>
-                            </m:accPr>
-                            <m:e>
-                              <m:r>
-                                <a:rPr lang="es-MX" i="1">
-                                  <a:latin typeface="Cambria Math" panose="02040503050406030204" pitchFamily="18" charset="0"/>
-                                  <a:ea typeface="Cambria Math" panose="02040503050406030204" pitchFamily="18" charset="0"/>
-                                </a:rPr>
-                                <m:t>𝜇</m:t>
-                              </m:r>
-                            </m:e>
-                          </m:acc>
-                        </m:e>
-                        <m:sub>
-                          <m:r>
-                            <a:rPr lang="es-MX" i="1">
-                              <a:solidFill>
-                                <a:schemeClr val="tx1"/>
-                              </a:solidFill>
-                              <a:latin typeface="Cambria Math" panose="02040503050406030204" pitchFamily="18" charset="0"/>
-                              <a:ea typeface="Cambria Math" panose="02040503050406030204" pitchFamily="18" charset="0"/>
-                            </a:rPr>
-                            <m:t>𝑘</m:t>
-                          </m:r>
-                        </m:sub>
-                      </m:sSub>
-                      <m:r>
-                        <a:rPr lang="es-AR" i="1">
-                          <a:latin typeface="Cambria Math" panose="02040503050406030204" pitchFamily="18" charset="0"/>
-                        </a:rPr>
-                        <m:t>= </m:t>
-                      </m:r>
-                      <m:f>
-                        <m:fPr>
-                          <m:ctrlPr>
-                            <a:rPr lang="es-AR" i="1">
-                              <a:latin typeface="Cambria Math" panose="02040503050406030204" pitchFamily="18" charset="0"/>
-                            </a:rPr>
-                          </m:ctrlPr>
-                        </m:fPr>
-                        <m:num>
-                          <m:r>
-                            <a:rPr lang="es-AR" i="1">
-                              <a:latin typeface="Cambria Math" panose="02040503050406030204" pitchFamily="18" charset="0"/>
-                            </a:rPr>
-                            <m:t>1</m:t>
-                          </m:r>
-                        </m:num>
-                        <m:den>
-                          <m:sSub>
-                            <m:sSubPr>
-                              <m:ctrlPr>
-                                <a:rPr lang="es-AR" i="1">
-                                  <a:solidFill>
-                                    <a:schemeClr val="tx1"/>
-                                  </a:solidFill>
-                                  <a:latin typeface="Cambria Math" panose="02040503050406030204" pitchFamily="18" charset="0"/>
-                                  <a:ea typeface="Cambria Math" panose="02040503050406030204" pitchFamily="18" charset="0"/>
-                                </a:rPr>
-                              </m:ctrlPr>
-                            </m:sSubPr>
-                            <m:e>
-                              <m:r>
-                                <a:rPr lang="es-MX" i="1">
-                                  <a:solidFill>
-                                    <a:schemeClr val="tx1"/>
-                                  </a:solidFill>
-                                  <a:latin typeface="Cambria Math" panose="02040503050406030204" pitchFamily="18" charset="0"/>
-                                  <a:ea typeface="Cambria Math" panose="02040503050406030204" pitchFamily="18" charset="0"/>
-                                </a:rPr>
-                                <m:t>𝑛</m:t>
-                              </m:r>
-                            </m:e>
-                            <m:sub>
-                              <m:r>
-                                <a:rPr lang="es-MX" i="1">
-                                  <a:solidFill>
-                                    <a:schemeClr val="tx1"/>
-                                  </a:solidFill>
-                                  <a:latin typeface="Cambria Math" panose="02040503050406030204" pitchFamily="18" charset="0"/>
-                                  <a:ea typeface="Cambria Math" panose="02040503050406030204" pitchFamily="18" charset="0"/>
-                                </a:rPr>
-                                <m:t>𝑘</m:t>
-                              </m:r>
-                            </m:sub>
-                          </m:sSub>
-                        </m:den>
-                      </m:f>
-                      <m:nary>
-                        <m:naryPr>
-                          <m:chr m:val="∑"/>
-                          <m:supHide m:val="on"/>
-                          <m:ctrlPr>
-                            <a:rPr lang="es-AR" i="1">
-                              <a:latin typeface="Cambria Math" panose="02040503050406030204" pitchFamily="18" charset="0"/>
-                            </a:rPr>
-                          </m:ctrlPr>
-                        </m:naryPr>
-                        <m:sub>
-                          <m:r>
-                            <m:rPr>
-                              <m:brk m:alnAt="23"/>
-                            </m:rPr>
-                            <a:rPr lang="es-AR" i="1">
-                              <a:latin typeface="Cambria Math" panose="02040503050406030204" pitchFamily="18" charset="0"/>
-                            </a:rPr>
-                            <m:t>𝑖</m:t>
-                          </m:r>
-                          <m:r>
-                            <a:rPr lang="es-MX" b="0" i="1" smtClean="0">
-                              <a:latin typeface="Cambria Math" panose="02040503050406030204" pitchFamily="18" charset="0"/>
-                            </a:rPr>
-                            <m:t>:</m:t>
-                          </m:r>
-                          <m:r>
-                            <a:rPr lang="es-MX" b="0" i="1" smtClean="0">
-                              <a:latin typeface="Cambria Math" panose="02040503050406030204" pitchFamily="18" charset="0"/>
-                            </a:rPr>
-                            <m:t>𝑦𝑙</m:t>
-                          </m:r>
-                          <m:r>
-                            <a:rPr lang="es-AR" i="1">
-                              <a:latin typeface="Cambria Math" panose="02040503050406030204" pitchFamily="18" charset="0"/>
-                            </a:rPr>
-                            <m:t>=</m:t>
-                          </m:r>
-                          <m:r>
-                            <a:rPr lang="es-MX" b="0" i="1" smtClean="0">
-                              <a:latin typeface="Cambria Math" panose="02040503050406030204" pitchFamily="18" charset="0"/>
-                            </a:rPr>
-                            <m:t>𝑘</m:t>
-                          </m:r>
-                        </m:sub>
-                        <m:sup/>
-                        <m:e>
-                          <m:sSub>
-                            <m:sSubPr>
-                              <m:ctrlPr>
-                                <a:rPr lang="es-AR" i="1">
-                                  <a:latin typeface="Cambria Math" panose="02040503050406030204" pitchFamily="18" charset="0"/>
-                                </a:rPr>
-                              </m:ctrlPr>
-                            </m:sSubPr>
-                            <m:e>
-                              <m:r>
-                                <a:rPr lang="es-MX" b="0" i="1" smtClean="0">
-                                  <a:latin typeface="Cambria Math" panose="02040503050406030204" pitchFamily="18" charset="0"/>
-                                </a:rPr>
-                                <m:t>𝑥</m:t>
-                              </m:r>
-                            </m:e>
-                            <m:sub>
-                              <m:r>
-                                <a:rPr lang="es-AR" i="1">
-                                  <a:latin typeface="Cambria Math" panose="02040503050406030204" pitchFamily="18" charset="0"/>
-                                </a:rPr>
-                                <m:t>𝑖</m:t>
-                              </m:r>
-                            </m:sub>
-                          </m:sSub>
-                          <m:r>
-                            <a:rPr lang="es-AR" i="1">
-                              <a:latin typeface="Cambria Math" panose="02040503050406030204" pitchFamily="18" charset="0"/>
-                            </a:rPr>
-                            <m:t> </m:t>
-                          </m:r>
-                        </m:e>
-                      </m:nary>
-                    </m:oMath>
-                  </m:oMathPara>
-                </a14:m>
-                <a:endParaRPr lang="es-AR" dirty="0"/>
-              </a:p>
-              <a:p>
-                <a:endParaRPr lang="es-AR" dirty="0"/>
-              </a:p>
-              <a:p>
-                <a:pPr/>
-                <a14:m>
-                  <m:oMathPara xmlns:m="http://schemas.openxmlformats.org/officeDocument/2006/math">
-                    <m:oMathParaPr>
-                      <m:jc m:val="centerGroup"/>
-                    </m:oMathParaPr>
-                    <m:oMath xmlns:m="http://schemas.openxmlformats.org/officeDocument/2006/math">
-                      <m:acc>
-                        <m:accPr>
-                          <m:chr m:val="̂"/>
-                          <m:ctrlPr>
-                            <a:rPr lang="es-MX" i="1" smtClean="0">
-                              <a:latin typeface="Cambria Math" panose="02040503050406030204" pitchFamily="18" charset="0"/>
-                              <a:ea typeface="Cambria Math" panose="02040503050406030204" pitchFamily="18" charset="0"/>
-                            </a:rPr>
-                          </m:ctrlPr>
-                        </m:accPr>
-                        <m:e>
-                          <m:sSup>
-                            <m:sSupPr>
-                              <m:ctrlPr>
-                                <a:rPr lang="es-MX" i="1" smtClean="0">
-                                  <a:latin typeface="Cambria Math" panose="02040503050406030204" pitchFamily="18" charset="0"/>
-                                  <a:ea typeface="Cambria Math" panose="02040503050406030204" pitchFamily="18" charset="0"/>
-                                </a:rPr>
-                              </m:ctrlPr>
-                            </m:sSupPr>
-                            <m:e>
-                              <m:r>
-                                <m:rPr>
-                                  <m:nor/>
-                                </m:rPr>
-                                <a:rPr lang="el-GR"/>
-                                <m:t>σ</m:t>
-                              </m:r>
-                            </m:e>
-                            <m:sup>
-                              <m:r>
-                                <a:rPr lang="es-MX" b="0" i="1" smtClean="0">
-                                  <a:latin typeface="Cambria Math" panose="02040503050406030204" pitchFamily="18" charset="0"/>
-                                  <a:ea typeface="Cambria Math" panose="02040503050406030204" pitchFamily="18" charset="0"/>
-                                </a:rPr>
-                                <m:t>2</m:t>
-                              </m:r>
-                            </m:sup>
-                          </m:sSup>
-                        </m:e>
-                      </m:acc>
-                      <m:r>
-                        <a:rPr lang="es-AR" i="1">
-                          <a:latin typeface="Cambria Math" panose="02040503050406030204" pitchFamily="18" charset="0"/>
-                        </a:rPr>
-                        <m:t>= </m:t>
-                      </m:r>
-                      <m:f>
-                        <m:fPr>
-                          <m:ctrlPr>
-                            <a:rPr lang="es-AR" i="1">
-                              <a:latin typeface="Cambria Math" panose="02040503050406030204" pitchFamily="18" charset="0"/>
-                            </a:rPr>
-                          </m:ctrlPr>
-                        </m:fPr>
-                        <m:num>
-                          <m:r>
-                            <a:rPr lang="es-AR" i="1">
-                              <a:latin typeface="Cambria Math" panose="02040503050406030204" pitchFamily="18" charset="0"/>
-                            </a:rPr>
-                            <m:t>1</m:t>
-                          </m:r>
-                        </m:num>
-                        <m:den>
-                          <m:r>
-                            <a:rPr lang="es-MX" b="0" i="1" smtClean="0">
-                              <a:solidFill>
-                                <a:schemeClr val="tx1"/>
-                              </a:solidFill>
-                              <a:latin typeface="Cambria Math" panose="02040503050406030204" pitchFamily="18" charset="0"/>
-                              <a:ea typeface="Cambria Math" panose="02040503050406030204" pitchFamily="18" charset="0"/>
-                            </a:rPr>
-                            <m:t>𝑛</m:t>
-                          </m:r>
-                          <m:r>
-                            <a:rPr lang="es-MX" b="0" i="1" smtClean="0">
-                              <a:solidFill>
-                                <a:schemeClr val="tx1"/>
-                              </a:solidFill>
-                              <a:latin typeface="Cambria Math" panose="02040503050406030204" pitchFamily="18" charset="0"/>
-                              <a:ea typeface="Cambria Math" panose="02040503050406030204" pitchFamily="18" charset="0"/>
-                            </a:rPr>
-                            <m:t>−</m:t>
-                          </m:r>
-                          <m:r>
-                            <a:rPr lang="es-MX" b="0" i="1" smtClean="0">
-                              <a:solidFill>
-                                <a:schemeClr val="tx1"/>
-                              </a:solidFill>
-                              <a:latin typeface="Cambria Math" panose="02040503050406030204" pitchFamily="18" charset="0"/>
-                              <a:ea typeface="Cambria Math" panose="02040503050406030204" pitchFamily="18" charset="0"/>
-                            </a:rPr>
-                            <m:t>𝐾</m:t>
-                          </m:r>
-                        </m:den>
-                      </m:f>
-                      <m:nary>
-                        <m:naryPr>
-                          <m:chr m:val="∑"/>
-                          <m:ctrlPr>
-                            <a:rPr lang="es-MX" i="1" smtClean="0">
-                              <a:solidFill>
-                                <a:schemeClr val="tx1"/>
-                              </a:solidFill>
-                              <a:latin typeface="Cambria Math" panose="02040503050406030204" pitchFamily="18" charset="0"/>
-                              <a:ea typeface="Cambria Math" panose="02040503050406030204" pitchFamily="18" charset="0"/>
-                            </a:rPr>
-                          </m:ctrlPr>
-                        </m:naryPr>
-                        <m:sub>
-                          <m:r>
-                            <m:rPr>
-                              <m:brk m:alnAt="23"/>
-                            </m:rPr>
-                            <a:rPr lang="es-MX" b="0" i="1" smtClean="0">
-                              <a:solidFill>
-                                <a:schemeClr val="tx1"/>
-                              </a:solidFill>
-                              <a:latin typeface="Cambria Math" panose="02040503050406030204" pitchFamily="18" charset="0"/>
-                              <a:ea typeface="Cambria Math" panose="02040503050406030204" pitchFamily="18" charset="0"/>
-                            </a:rPr>
-                            <m:t>𝑘</m:t>
-                          </m:r>
-                          <m:r>
-                            <a:rPr lang="es-MX" b="0" i="1" smtClean="0">
-                              <a:solidFill>
-                                <a:schemeClr val="tx1"/>
-                              </a:solidFill>
-                              <a:latin typeface="Cambria Math" panose="02040503050406030204" pitchFamily="18" charset="0"/>
-                              <a:ea typeface="Cambria Math" panose="02040503050406030204" pitchFamily="18" charset="0"/>
-                            </a:rPr>
-                            <m:t>=1</m:t>
-                          </m:r>
-                        </m:sub>
-                        <m:sup>
-                          <m:r>
-                            <a:rPr lang="es-MX" b="0" i="1" smtClean="0">
-                              <a:solidFill>
-                                <a:schemeClr val="tx1"/>
-                              </a:solidFill>
-                              <a:latin typeface="Cambria Math" panose="02040503050406030204" pitchFamily="18" charset="0"/>
-                              <a:ea typeface="Cambria Math" panose="02040503050406030204" pitchFamily="18" charset="0"/>
-                            </a:rPr>
-                            <m:t>𝐾</m:t>
-                          </m:r>
-                        </m:sup>
-                        <m:e>
-                          <m:nary>
-                            <m:naryPr>
-                              <m:chr m:val="∑"/>
-                              <m:supHide m:val="on"/>
-                              <m:ctrlPr>
-                                <a:rPr lang="es-MX" i="1" smtClean="0">
-                                  <a:solidFill>
-                                    <a:schemeClr val="tx1"/>
-                                  </a:solidFill>
-                                  <a:latin typeface="Cambria Math" panose="02040503050406030204" pitchFamily="18" charset="0"/>
-                                  <a:ea typeface="Cambria Math" panose="02040503050406030204" pitchFamily="18" charset="0"/>
-                                </a:rPr>
-                              </m:ctrlPr>
-                            </m:naryPr>
-                            <m:sub>
-                              <m:r>
-                                <m:rPr>
-                                  <m:brk m:alnAt="7"/>
-                                </m:rPr>
-                                <a:rPr lang="es-MX" i="1">
-                                  <a:solidFill>
-                                    <a:schemeClr val="tx1"/>
-                                  </a:solidFill>
-                                  <a:latin typeface="Cambria Math" panose="02040503050406030204" pitchFamily="18" charset="0"/>
-                                  <a:ea typeface="Cambria Math" panose="02040503050406030204" pitchFamily="18" charset="0"/>
-                                </a:rPr>
-                                <m:t>𝑖</m:t>
-                              </m:r>
-                              <m:r>
-                                <a:rPr lang="es-MX" i="1">
-                                  <a:solidFill>
-                                    <a:schemeClr val="tx1"/>
-                                  </a:solidFill>
-                                  <a:latin typeface="Cambria Math" panose="02040503050406030204" pitchFamily="18" charset="0"/>
-                                  <a:ea typeface="Cambria Math" panose="02040503050406030204" pitchFamily="18" charset="0"/>
-                                </a:rPr>
-                                <m:t>:</m:t>
-                              </m:r>
-                              <m:r>
-                                <a:rPr lang="es-MX" i="1">
-                                  <a:solidFill>
-                                    <a:schemeClr val="tx1"/>
-                                  </a:solidFill>
-                                  <a:latin typeface="Cambria Math" panose="02040503050406030204" pitchFamily="18" charset="0"/>
-                                  <a:ea typeface="Cambria Math" panose="02040503050406030204" pitchFamily="18" charset="0"/>
-                                </a:rPr>
-                                <m:t>𝑦𝑖</m:t>
-                              </m:r>
-                              <m:r>
-                                <a:rPr lang="es-MX" i="1">
-                                  <a:solidFill>
-                                    <a:schemeClr val="tx1"/>
-                                  </a:solidFill>
-                                  <a:latin typeface="Cambria Math" panose="02040503050406030204" pitchFamily="18" charset="0"/>
-                                  <a:ea typeface="Cambria Math" panose="02040503050406030204" pitchFamily="18" charset="0"/>
-                                </a:rPr>
-                                <m:t>=</m:t>
-                              </m:r>
-                              <m:r>
-                                <a:rPr lang="es-MX" i="1">
-                                  <a:solidFill>
-                                    <a:schemeClr val="tx1"/>
-                                  </a:solidFill>
-                                  <a:latin typeface="Cambria Math" panose="02040503050406030204" pitchFamily="18" charset="0"/>
-                                  <a:ea typeface="Cambria Math" panose="02040503050406030204" pitchFamily="18" charset="0"/>
-                                </a:rPr>
-                                <m:t>𝑘</m:t>
-                              </m:r>
-                            </m:sub>
-                            <m:sup/>
-                            <m:e>
-                              <m:sSup>
-                                <m:sSupPr>
-                                  <m:ctrlPr>
-                                    <a:rPr lang="es-MX" i="1" smtClean="0">
-                                      <a:solidFill>
-                                        <a:schemeClr val="tx1"/>
-                                      </a:solidFill>
-                                      <a:latin typeface="Cambria Math" panose="02040503050406030204" pitchFamily="18" charset="0"/>
-                                      <a:ea typeface="Cambria Math" panose="02040503050406030204" pitchFamily="18" charset="0"/>
-                                    </a:rPr>
-                                  </m:ctrlPr>
-                                </m:sSupPr>
-                                <m:e>
-                                  <m:sSub>
-                                    <m:sSubPr>
-                                      <m:ctrlPr>
-                                        <a:rPr lang="es-AR" i="1">
-                                          <a:latin typeface="Cambria Math" panose="02040503050406030204" pitchFamily="18" charset="0"/>
-                                        </a:rPr>
-                                      </m:ctrlPr>
-                                    </m:sSubPr>
-                                    <m:e>
-                                      <m:r>
-                                        <a:rPr lang="es-MX" i="1">
-                                          <a:latin typeface="Cambria Math" panose="02040503050406030204" pitchFamily="18" charset="0"/>
-                                        </a:rPr>
-                                        <m:t>(</m:t>
-                                      </m:r>
-                                      <m:r>
-                                        <a:rPr lang="es-MX" i="1">
-                                          <a:latin typeface="Cambria Math" panose="02040503050406030204" pitchFamily="18" charset="0"/>
-                                        </a:rPr>
-                                        <m:t>𝑥</m:t>
-                                      </m:r>
-                                    </m:e>
-                                    <m:sub>
-                                      <m:r>
-                                        <a:rPr lang="es-AR" i="1">
-                                          <a:latin typeface="Cambria Math" panose="02040503050406030204" pitchFamily="18" charset="0"/>
-                                        </a:rPr>
-                                        <m:t>𝑖</m:t>
-                                      </m:r>
-                                    </m:sub>
-                                  </m:sSub>
-                                  <m:r>
-                                    <a:rPr lang="es-MX" i="1">
-                                      <a:latin typeface="Cambria Math" panose="02040503050406030204" pitchFamily="18" charset="0"/>
-                                    </a:rPr>
-                                    <m:t>−</m:t>
-                                  </m:r>
-                                  <m:sSub>
-                                    <m:sSubPr>
-                                      <m:ctrlPr>
-                                        <a:rPr lang="es-AR" i="1">
-                                          <a:solidFill>
-                                            <a:schemeClr val="tx1"/>
-                                          </a:solidFill>
-                                          <a:latin typeface="Cambria Math" panose="02040503050406030204" pitchFamily="18" charset="0"/>
-                                          <a:ea typeface="Cambria Math" panose="02040503050406030204" pitchFamily="18" charset="0"/>
-                                        </a:rPr>
-                                      </m:ctrlPr>
-                                    </m:sSubPr>
-                                    <m:e>
-                                      <m:acc>
-                                        <m:accPr>
-                                          <m:chr m:val="̂"/>
-                                          <m:ctrlPr>
-                                            <a:rPr lang="es-MX" i="1">
-                                              <a:latin typeface="Cambria Math" panose="02040503050406030204" pitchFamily="18" charset="0"/>
-                                              <a:ea typeface="Cambria Math" panose="02040503050406030204" pitchFamily="18" charset="0"/>
-                                            </a:rPr>
-                                          </m:ctrlPr>
-                                        </m:accPr>
-                                        <m:e>
-                                          <m:r>
-                                            <a:rPr lang="es-MX" i="1">
-                                              <a:latin typeface="Cambria Math" panose="02040503050406030204" pitchFamily="18" charset="0"/>
-                                              <a:ea typeface="Cambria Math" panose="02040503050406030204" pitchFamily="18" charset="0"/>
-                                            </a:rPr>
-                                            <m:t>𝜇</m:t>
-                                          </m:r>
-                                        </m:e>
-                                      </m:acc>
-                                    </m:e>
-                                    <m:sub>
-                                      <m:r>
-                                        <a:rPr lang="es-MX" i="1">
-                                          <a:solidFill>
-                                            <a:schemeClr val="tx1"/>
-                                          </a:solidFill>
-                                          <a:latin typeface="Cambria Math" panose="02040503050406030204" pitchFamily="18" charset="0"/>
-                                          <a:ea typeface="Cambria Math" panose="02040503050406030204" pitchFamily="18" charset="0"/>
-                                        </a:rPr>
-                                        <m:t>𝑘</m:t>
-                                      </m:r>
-                                    </m:sub>
-                                  </m:sSub>
-                                  <m:r>
-                                    <a:rPr lang="es-MX" i="1">
-                                      <a:latin typeface="Cambria Math" panose="02040503050406030204" pitchFamily="18" charset="0"/>
-                                    </a:rPr>
-                                    <m:t>)</m:t>
-                                  </m:r>
-                                </m:e>
-                                <m:sup>
-                                  <m:r>
-                                    <a:rPr lang="es-MX" b="0" i="1" smtClean="0">
-                                      <a:solidFill>
-                                        <a:schemeClr val="tx1"/>
-                                      </a:solidFill>
-                                      <a:latin typeface="Cambria Math" panose="02040503050406030204" pitchFamily="18" charset="0"/>
-                                      <a:ea typeface="Cambria Math" panose="02040503050406030204" pitchFamily="18" charset="0"/>
-                                    </a:rPr>
-                                    <m:t>2</m:t>
-                                  </m:r>
-                                </m:sup>
-                              </m:sSup>
-                            </m:e>
-                          </m:nary>
-                        </m:e>
-                      </m:nary>
-                    </m:oMath>
-                  </m:oMathPara>
-                </a14:m>
-                <a:endParaRPr lang="es-AR" dirty="0"/>
-              </a:p>
-              <a:p>
-                <a:endParaRPr lang="es-AR" dirty="0"/>
-              </a:p>
-              <a:p>
-                <a:pPr/>
-                <a14:m>
-                  <m:oMathPara xmlns:m="http://schemas.openxmlformats.org/officeDocument/2006/math">
-                    <m:oMathParaPr>
-                      <m:jc m:val="centerGroup"/>
-                    </m:oMathParaPr>
-                    <m:oMath xmlns:m="http://schemas.openxmlformats.org/officeDocument/2006/math">
-                      <m:sSub>
-                        <m:sSubPr>
-                          <m:ctrlPr>
-                            <a:rPr lang="es-AR" i="1">
-                              <a:latin typeface="Cambria Math" panose="02040503050406030204" pitchFamily="18" charset="0"/>
-                            </a:rPr>
-                          </m:ctrlPr>
-                        </m:sSubPr>
-                        <m:e>
-                          <m:r>
-                            <a:rPr lang="es-MX" i="1" smtClean="0">
-                              <a:latin typeface="Cambria Math" panose="02040503050406030204" pitchFamily="18" charset="0"/>
-                              <a:ea typeface="Cambria Math" panose="02040503050406030204" pitchFamily="18" charset="0"/>
-                            </a:rPr>
-                            <m:t>𝜋</m:t>
-                          </m:r>
-                        </m:e>
-                        <m:sub>
-                          <m:r>
-                            <a:rPr lang="es-MX" b="0" i="1" smtClean="0">
-                              <a:latin typeface="Cambria Math" panose="02040503050406030204" pitchFamily="18" charset="0"/>
-                            </a:rPr>
-                            <m:t>𝑘</m:t>
-                          </m:r>
-                        </m:sub>
-                      </m:sSub>
-                      <m:r>
-                        <a:rPr lang="es-AR" i="1">
-                          <a:latin typeface="Cambria Math" panose="02040503050406030204" pitchFamily="18" charset="0"/>
-                        </a:rPr>
-                        <m:t>= </m:t>
-                      </m:r>
-                      <m:f>
-                        <m:fPr>
-                          <m:ctrlPr>
-                            <a:rPr lang="es-AR" i="1">
-                              <a:latin typeface="Cambria Math" panose="02040503050406030204" pitchFamily="18" charset="0"/>
-                            </a:rPr>
-                          </m:ctrlPr>
-                        </m:fPr>
-                        <m:num>
-                          <m:sSub>
-                            <m:sSubPr>
-                              <m:ctrlPr>
-                                <a:rPr lang="es-AR" i="1">
-                                  <a:solidFill>
-                                    <a:schemeClr val="tx1"/>
-                                  </a:solidFill>
-                                  <a:latin typeface="Cambria Math" panose="02040503050406030204" pitchFamily="18" charset="0"/>
-                                  <a:ea typeface="Cambria Math" panose="02040503050406030204" pitchFamily="18" charset="0"/>
-                                </a:rPr>
-                              </m:ctrlPr>
-                            </m:sSubPr>
-                            <m:e>
-                              <m:r>
-                                <a:rPr lang="es-MX" i="1">
-                                  <a:solidFill>
-                                    <a:schemeClr val="tx1"/>
-                                  </a:solidFill>
-                                  <a:latin typeface="Cambria Math" panose="02040503050406030204" pitchFamily="18" charset="0"/>
-                                  <a:ea typeface="Cambria Math" panose="02040503050406030204" pitchFamily="18" charset="0"/>
-                                </a:rPr>
-                                <m:t>𝑛</m:t>
-                              </m:r>
-                            </m:e>
-                            <m:sub>
-                              <m:r>
-                                <a:rPr lang="es-MX" i="1">
-                                  <a:solidFill>
-                                    <a:schemeClr val="tx1"/>
-                                  </a:solidFill>
-                                  <a:latin typeface="Cambria Math" panose="02040503050406030204" pitchFamily="18" charset="0"/>
-                                  <a:ea typeface="Cambria Math" panose="02040503050406030204" pitchFamily="18" charset="0"/>
-                                </a:rPr>
-                                <m:t>𝑘</m:t>
-                              </m:r>
-                            </m:sub>
-                          </m:sSub>
-                        </m:num>
-                        <m:den>
-                          <m:r>
-                            <a:rPr lang="es-MX" b="0" i="1" smtClean="0">
-                              <a:latin typeface="Cambria Math" panose="02040503050406030204" pitchFamily="18" charset="0"/>
-                            </a:rPr>
-                            <m:t>𝑛</m:t>
-                          </m:r>
-                        </m:den>
-                      </m:f>
-                    </m:oMath>
-                  </m:oMathPara>
-                </a14:m>
-                <a:endParaRPr lang="es-AR" dirty="0"/>
-              </a:p>
-              <a:p>
-                <a:endParaRPr lang="es-AR" dirty="0"/>
-              </a:p>
-              <a:p>
-                <a:endParaRPr lang="es-AR" dirty="0"/>
-              </a:p>
-            </p:txBody>
-          </p:sp>
-        </mc:Choice>
-        <mc:Fallback xmlns="">
-          <p:sp>
-            <p:nvSpPr>
-              <p:cNvPr id="5" name="CuadroTexto 4">
-                <a:extLst>
-                  <a:ext uri="{FF2B5EF4-FFF2-40B4-BE49-F238E27FC236}">
-                    <a16:creationId xmlns:a16="http://schemas.microsoft.com/office/drawing/2014/main" id="{676CDFA1-215D-9513-59AC-4FAB54345D3B}"/>
-                  </a:ext>
-                </a:extLst>
-              </p:cNvPr>
-              <p:cNvSpPr txBox="1">
-                <a:spLocks noRot="1" noChangeAspect="1" noMove="1" noResize="1" noEditPoints="1" noAdjustHandles="1" noChangeArrowheads="1" noChangeShapeType="1" noTextEdit="1"/>
-              </p:cNvSpPr>
-              <p:nvPr/>
-            </p:nvSpPr>
-            <p:spPr>
-              <a:xfrm>
-                <a:off x="4643548" y="1734777"/>
-                <a:ext cx="4572000" cy="2571923"/>
-              </a:xfrm>
-              <a:prstGeom prst="rect">
-                <a:avLst/>
-              </a:prstGeom>
-              <a:blipFill>
-                <a:blip r:embed="rId5"/>
-                <a:stretch>
-                  <a:fillRect t="-27791"/>
-                </a:stretch>
-              </a:blipFill>
-            </p:spPr>
-            <p:txBody>
-              <a:bodyPr/>
-              <a:lstStyle/>
-              <a:p>
-                <a:r>
-                  <a:rPr lang="es-AR">
-                    <a:noFill/>
-                  </a:rPr>
-                  <a:t> </a:t>
-                </a:r>
-              </a:p>
-            </p:txBody>
-          </p:sp>
-        </mc:Fallback>
-      </mc:AlternateContent>
-    </p:spTree>
-    <p:extLst>
-      <p:ext uri="{BB962C8B-B14F-4D97-AF65-F5344CB8AC3E}">
-        <p14:creationId xmlns:p14="http://schemas.microsoft.com/office/powerpoint/2010/main" val="405338348"/>
       </p:ext>
     </p:extLst>
   </p:cSld>
@@ -23361,17 +21867,84 @@
               <a:t> </a:t>
             </a:r>
             <a:r>
-              <a:rPr lang="en-GB" dirty="0">
+              <a:rPr lang="en-GB" dirty="0" err="1">
                 <a:highlight>
                   <a:schemeClr val="lt2"/>
                 </a:highlight>
               </a:rPr>
               <a:t>logística</a:t>
             </a:r>
+            <a:endParaRPr lang="en-GB" dirty="0">
+              <a:highlight>
+                <a:schemeClr val="lt2"/>
+              </a:highlight>
+            </a:endParaRPr>
+          </a:p>
+          <a:p>
+            <a:pPr marL="482600">
+              <a:lnSpc>
+                <a:spcPct val="150000"/>
+              </a:lnSpc>
+              <a:buFont typeface="+mj-lt"/>
+              <a:buAutoNum type="romanUcPeriod"/>
+            </a:pPr>
+            <a:r>
+              <a:rPr lang="en-GB" dirty="0" err="1"/>
+              <a:t>Métricas</a:t>
+            </a:r>
             <a:r>
               <a:rPr lang="en-GB" dirty="0"/>
-              <a:t> (simple y multiple)</a:t>
+              <a:t> de </a:t>
             </a:r>
+            <a:r>
+              <a:rPr lang="en-GB" dirty="0" err="1"/>
+              <a:t>evaluación</a:t>
+            </a:r>
+            <a:r>
+              <a:rPr lang="en-GB" dirty="0"/>
+              <a:t> </a:t>
+            </a:r>
+            <a:r>
+              <a:rPr lang="en-GB" dirty="0">
+                <a:highlight>
+                  <a:schemeClr val="lt2"/>
+                </a:highlight>
+              </a:rPr>
+              <a:t>(</a:t>
+            </a:r>
+            <a:r>
+              <a:rPr lang="en-GB" dirty="0" err="1">
+                <a:highlight>
+                  <a:schemeClr val="lt2"/>
+                </a:highlight>
+              </a:rPr>
+              <a:t>matriz</a:t>
+            </a:r>
+            <a:r>
+              <a:rPr lang="en-GB" dirty="0">
+                <a:highlight>
+                  <a:schemeClr val="lt2"/>
+                </a:highlight>
+              </a:rPr>
+              <a:t> de confusion y </a:t>
+            </a:r>
+            <a:r>
+              <a:rPr lang="en-GB" dirty="0" err="1">
+                <a:highlight>
+                  <a:schemeClr val="lt2"/>
+                </a:highlight>
+              </a:rPr>
+              <a:t>curva</a:t>
+            </a:r>
+            <a:r>
+              <a:rPr lang="en-GB" dirty="0">
+                <a:highlight>
+                  <a:schemeClr val="lt2"/>
+                </a:highlight>
+              </a:rPr>
+              <a:t> ROC)</a:t>
+            </a:r>
+            <a:endParaRPr lang="en-GB" dirty="0"/>
           </a:p>
         </p:txBody>
       </p:sp>

--- a/clase4/teorica_4.pptx
+++ b/clase4/teorica_4.pptx
@@ -9333,8 +9333,8 @@
           </a:p>
         </p:txBody>
       </p:sp>
-      <mc:AlternateContent xmlns:mc="http://schemas.openxmlformats.org/markup-compatibility/2006">
-        <mc:Choice xmlns:a14="http://schemas.microsoft.com/office/drawing/2010/main" Requires="a14">
+      <mc:AlternateContent xmlns:mc="http://schemas.openxmlformats.org/markup-compatibility/2006" xmlns:a14="http://schemas.microsoft.com/office/drawing/2010/main">
+        <mc:Choice Requires="a14">
           <p:sp>
             <p:nvSpPr>
               <p:cNvPr id="6" name="Google Shape;182;p31">
@@ -10008,7 +10008,7 @@
             </p:txBody>
           </p:sp>
         </mc:Choice>
-        <mc:Fallback>
+        <mc:Fallback xmlns="">
           <p:sp>
             <p:nvSpPr>
               <p:cNvPr id="6" name="Google Shape;182;p31">
@@ -10207,8 +10207,8 @@
           <a:chExt cx="0" cy="0"/>
         </a:xfrm>
       </p:grpSpPr>
-      <mc:AlternateContent xmlns:mc="http://schemas.openxmlformats.org/markup-compatibility/2006">
-        <mc:Choice xmlns:a14="http://schemas.microsoft.com/office/drawing/2010/main" Requires="a14">
+      <mc:AlternateContent xmlns:mc="http://schemas.openxmlformats.org/markup-compatibility/2006" xmlns:a14="http://schemas.microsoft.com/office/drawing/2010/main">
+        <mc:Choice Requires="a14">
           <p:sp>
             <p:nvSpPr>
               <p:cNvPr id="6" name="Google Shape;182;p31">
@@ -11173,7 +11173,7 @@
             </p:txBody>
           </p:sp>
         </mc:Choice>
-        <mc:Fallback>
+        <mc:Fallback xmlns="">
           <p:sp>
             <p:nvSpPr>
               <p:cNvPr id="6" name="Google Shape;182;p31">
@@ -11220,8 +11220,8 @@
           </p:sp>
         </mc:Fallback>
       </mc:AlternateContent>
-      <mc:AlternateContent xmlns:mc="http://schemas.openxmlformats.org/markup-compatibility/2006">
-        <mc:Choice xmlns:a14="http://schemas.microsoft.com/office/drawing/2010/main" Requires="a14">
+      <mc:AlternateContent xmlns:mc="http://schemas.openxmlformats.org/markup-compatibility/2006" xmlns:a14="http://schemas.microsoft.com/office/drawing/2010/main">
+        <mc:Choice Requires="a14">
           <p:sp>
             <p:nvSpPr>
               <p:cNvPr id="8" name="CuadroTexto 7">
@@ -11503,7 +11503,7 @@
             </p:txBody>
           </p:sp>
         </mc:Choice>
-        <mc:Fallback>
+        <mc:Fallback xmlns="">
           <p:sp>
             <p:nvSpPr>
               <p:cNvPr id="8" name="CuadroTexto 7">
@@ -12605,8 +12605,8 @@
           <a:chExt cx="0" cy="0"/>
         </a:xfrm>
       </p:grpSpPr>
-      <mc:AlternateContent xmlns:mc="http://schemas.openxmlformats.org/markup-compatibility/2006">
-        <mc:Choice xmlns:a14="http://schemas.microsoft.com/office/drawing/2010/main" Requires="a14">
+      <mc:AlternateContent xmlns:mc="http://schemas.openxmlformats.org/markup-compatibility/2006" xmlns:a14="http://schemas.microsoft.com/office/drawing/2010/main">
+        <mc:Choice Requires="a14">
           <p:graphicFrame>
             <p:nvGraphicFramePr>
               <p:cNvPr id="6" name="Tabla 6">
@@ -13673,7 +13673,7 @@
             </a:graphic>
           </p:graphicFrame>
         </mc:Choice>
-        <mc:Fallback>
+        <mc:Fallback xmlns="">
           <p:graphicFrame>
             <p:nvGraphicFramePr>
               <p:cNvPr id="6" name="Tabla 6">
@@ -14329,8 +14329,8 @@
           </p:graphicFrame>
         </mc:Fallback>
       </mc:AlternateContent>
-      <mc:AlternateContent xmlns:mc="http://schemas.openxmlformats.org/markup-compatibility/2006">
-        <mc:Choice xmlns:a14="http://schemas.microsoft.com/office/drawing/2010/main" Requires="a14">
+      <mc:AlternateContent xmlns:mc="http://schemas.openxmlformats.org/markup-compatibility/2006" xmlns:a14="http://schemas.microsoft.com/office/drawing/2010/main">
+        <mc:Choice Requires="a14">
           <p:sp>
             <p:nvSpPr>
               <p:cNvPr id="2" name="CuadroTexto 1">
@@ -14404,7 +14404,7 @@
             </p:txBody>
           </p:sp>
         </mc:Choice>
-        <mc:Fallback>
+        <mc:Fallback xmlns="">
           <p:sp>
             <p:nvSpPr>
               <p:cNvPr id="2" name="CuadroTexto 1">
@@ -14452,8 +14452,8 @@
           </p:sp>
         </mc:Fallback>
       </mc:AlternateContent>
-      <mc:AlternateContent xmlns:mc="http://schemas.openxmlformats.org/markup-compatibility/2006">
-        <mc:Choice xmlns:a14="http://schemas.microsoft.com/office/drawing/2010/main" Requires="a14">
+      <mc:AlternateContent xmlns:mc="http://schemas.openxmlformats.org/markup-compatibility/2006" xmlns:a14="http://schemas.microsoft.com/office/drawing/2010/main">
+        <mc:Choice Requires="a14">
           <p:sp>
             <p:nvSpPr>
               <p:cNvPr id="4" name="CuadroTexto 3">
@@ -14527,7 +14527,7 @@
             </p:txBody>
           </p:sp>
         </mc:Choice>
-        <mc:Fallback>
+        <mc:Fallback xmlns="">
           <p:sp>
             <p:nvSpPr>
               <p:cNvPr id="4" name="CuadroTexto 3">
@@ -14575,8 +14575,8 @@
           </p:sp>
         </mc:Fallback>
       </mc:AlternateContent>
-      <mc:AlternateContent xmlns:mc="http://schemas.openxmlformats.org/markup-compatibility/2006">
-        <mc:Choice xmlns:a14="http://schemas.microsoft.com/office/drawing/2010/main" Requires="a14">
+      <mc:AlternateContent xmlns:mc="http://schemas.openxmlformats.org/markup-compatibility/2006" xmlns:a14="http://schemas.microsoft.com/office/drawing/2010/main">
+        <mc:Choice Requires="a14">
           <p:sp>
             <p:nvSpPr>
               <p:cNvPr id="5" name="CuadroTexto 4">
@@ -14650,7 +14650,7 @@
             </p:txBody>
           </p:sp>
         </mc:Choice>
-        <mc:Fallback>
+        <mc:Fallback xmlns="">
           <p:sp>
             <p:nvSpPr>
               <p:cNvPr id="5" name="CuadroTexto 4">
@@ -19405,8 +19405,8 @@
           </a:p>
         </p:txBody>
       </p:sp>
-      <mc:AlternateContent xmlns:mc="http://schemas.openxmlformats.org/markup-compatibility/2006">
-        <mc:Choice xmlns:a14="http://schemas.microsoft.com/office/drawing/2010/main" Requires="a14">
+      <mc:AlternateContent xmlns:mc="http://schemas.openxmlformats.org/markup-compatibility/2006" xmlns:a14="http://schemas.microsoft.com/office/drawing/2010/main">
+        <mc:Choice Requires="a14">
           <p:sp>
             <p:nvSpPr>
               <p:cNvPr id="2" name="CuadroTexto 1">
@@ -19830,7 +19830,7 @@
             </p:txBody>
           </p:sp>
         </mc:Choice>
-        <mc:Fallback>
+        <mc:Fallback xmlns="">
           <p:sp>
             <p:nvSpPr>
               <p:cNvPr id="2" name="CuadroTexto 1">
@@ -22275,8 +22275,8 @@
         </p:nvSpPr>
         <p:spPr>
           <a:xfrm>
-            <a:off x="127589" y="320038"/>
-            <a:ext cx="5897527" cy="4524315"/>
+            <a:off x="127590" y="320038"/>
+            <a:ext cx="5432952" cy="4524315"/>
           </a:xfrm>
           <a:prstGeom prst="rect">
             <a:avLst/>
@@ -22312,7 +22312,7 @@
             </a:endParaRPr>
           </a:p>
           <a:p>
-            <a:pPr marL="177800" indent="-177800" algn="l">
+            <a:pPr marL="177800" indent="-177800" algn="just">
               <a:buClr>
                 <a:schemeClr val="accent2"/>
               </a:buClr>
@@ -22354,7 +22354,7 @@
             </a:r>
           </a:p>
           <a:p>
-            <a:pPr marL="177800" indent="-177800" algn="ctr">
+            <a:pPr marL="177800" indent="-177800" algn="just">
               <a:buClr>
                 <a:schemeClr val="accent2"/>
               </a:buClr>
@@ -22370,7 +22370,7 @@
             </a:endParaRPr>
           </a:p>
           <a:p>
-            <a:pPr marL="177800" indent="-177800" algn="l">
+            <a:pPr marL="177800" indent="-177800" algn="just">
               <a:buClr>
                 <a:schemeClr val="accent2"/>
               </a:buClr>
@@ -22428,7 +22428,7 @@
             </a:endParaRPr>
           </a:p>
           <a:p>
-            <a:pPr marL="177800" indent="-177800" algn="l">
+            <a:pPr marL="177800" indent="-177800" algn="just">
               <a:buClr>
                 <a:schemeClr val="accent2"/>
               </a:buClr>
@@ -22765,8 +22765,8 @@
           </a:p>
         </p:txBody>
       </p:sp>
-      <mc:AlternateContent xmlns:mc="http://schemas.openxmlformats.org/markup-compatibility/2006">
-        <mc:Choice xmlns:a14="http://schemas.microsoft.com/office/drawing/2010/main" Requires="a14">
+      <mc:AlternateContent xmlns:mc="http://schemas.openxmlformats.org/markup-compatibility/2006" xmlns:a14="http://schemas.microsoft.com/office/drawing/2010/main">
+        <mc:Choice Requires="a14">
           <p:sp>
             <p:nvSpPr>
               <p:cNvPr id="6" name="Google Shape;182;p31">
@@ -23017,7 +23017,7 @@
             </p:txBody>
           </p:sp>
         </mc:Choice>
-        <mc:Fallback>
+        <mc:Fallback xmlns="">
           <p:sp>
             <p:nvSpPr>
               <p:cNvPr id="6" name="Google Shape;182;p31">
@@ -23202,8 +23202,8 @@
           </a:p>
         </p:txBody>
       </p:sp>
-      <mc:AlternateContent xmlns:mc="http://schemas.openxmlformats.org/markup-compatibility/2006">
-        <mc:Choice xmlns:a14="http://schemas.microsoft.com/office/drawing/2010/main" Requires="a14">
+      <mc:AlternateContent xmlns:mc="http://schemas.openxmlformats.org/markup-compatibility/2006" xmlns:a14="http://schemas.microsoft.com/office/drawing/2010/main">
+        <mc:Choice Requires="a14">
           <p:sp>
             <p:nvSpPr>
               <p:cNvPr id="6" name="Google Shape;182;p31">
@@ -23525,7 +23525,7 @@
             </p:txBody>
           </p:sp>
         </mc:Choice>
-        <mc:Fallback>
+        <mc:Fallback xmlns="">
           <p:sp>
             <p:nvSpPr>
               <p:cNvPr id="6" name="Google Shape;182;p31">

--- a/clase4/teorica_4.pptx
+++ b/clase4/teorica_4.pptx
@@ -17903,7 +17903,7 @@
             </a:r>
             <a:r>
               <a:rPr lang="es-MX" dirty="0"/>
-              <a:t>Clasificación (KNN y LDA)</a:t>
+              <a:t>Clasificación (KNN, NB, LDA/QDA)</a:t>
             </a:r>
           </a:p>
           <a:p>
@@ -18285,204 +18285,6 @@
                 <a:latin typeface="Proxima Nova" panose="020B0604020202020204" charset="0"/>
               </a:rPr>
               <a:t>Múltiple</a:t>
-            </a:r>
-            <a:endParaRPr lang="es-AR" sz="1050" dirty="0">
-              <a:solidFill>
-                <a:schemeClr val="accent2"/>
-              </a:solidFill>
-              <a:latin typeface="Proxima Nova" panose="020B0604020202020204" charset="0"/>
-            </a:endParaRPr>
-          </a:p>
-        </p:txBody>
-      </p:sp>
-      <p:sp>
-        <p:nvSpPr>
-          <p:cNvPr id="9" name="Hexágono 8">
-            <a:extLst>
-              <a:ext uri="{FF2B5EF4-FFF2-40B4-BE49-F238E27FC236}">
-                <a16:creationId xmlns:a16="http://schemas.microsoft.com/office/drawing/2014/main" id="{8E3DFAA5-19CC-4E19-84AF-C732D5125847}"/>
-              </a:ext>
-            </a:extLst>
-          </p:cNvPr>
-          <p:cNvSpPr/>
-          <p:nvPr/>
-        </p:nvSpPr>
-        <p:spPr>
-          <a:xfrm>
-            <a:off x="3813168" y="4258723"/>
-            <a:ext cx="1087946" cy="720000"/>
-          </a:xfrm>
-          <a:prstGeom prst="hexagon">
-            <a:avLst/>
-          </a:prstGeom>
-          <a:noFill/>
-          <a:ln w="28575">
-            <a:solidFill>
-              <a:schemeClr val="tx2"/>
-            </a:solidFill>
-          </a:ln>
-        </p:spPr>
-        <p:style>
-          <a:lnRef idx="2">
-            <a:schemeClr val="accent1">
-              <a:shade val="50000"/>
-            </a:schemeClr>
-          </a:lnRef>
-          <a:fillRef idx="1">
-            <a:schemeClr val="accent1"/>
-          </a:fillRef>
-          <a:effectRef idx="0">
-            <a:schemeClr val="accent1"/>
-          </a:effectRef>
-          <a:fontRef idx="minor">
-            <a:schemeClr val="lt1"/>
-          </a:fontRef>
-        </p:style>
-        <p:txBody>
-          <a:bodyPr rtlCol="0" anchor="ctr"/>
-          <a:lstStyle/>
-          <a:p>
-            <a:pPr algn="ctr"/>
-            <a:r>
-              <a:rPr lang="es-MX" sz="1050" dirty="0">
-                <a:solidFill>
-                  <a:schemeClr val="accent2"/>
-                </a:solidFill>
-                <a:latin typeface="Proxima Nova" panose="020B0604020202020204" charset="0"/>
-              </a:rPr>
-              <a:t>KNN</a:t>
-            </a:r>
-            <a:endParaRPr lang="es-AR" sz="1050" dirty="0">
-              <a:solidFill>
-                <a:schemeClr val="accent2"/>
-              </a:solidFill>
-              <a:latin typeface="Proxima Nova" panose="020B0604020202020204" charset="0"/>
-            </a:endParaRPr>
-          </a:p>
-        </p:txBody>
-      </p:sp>
-      <p:sp>
-        <p:nvSpPr>
-          <p:cNvPr id="10" name="Hexágono 9">
-            <a:extLst>
-              <a:ext uri="{FF2B5EF4-FFF2-40B4-BE49-F238E27FC236}">
-                <a16:creationId xmlns:a16="http://schemas.microsoft.com/office/drawing/2014/main" id="{3569D53F-B37E-4B91-8D03-20B641EEBBF9}"/>
-              </a:ext>
-            </a:extLst>
-          </p:cNvPr>
-          <p:cNvSpPr/>
-          <p:nvPr/>
-        </p:nvSpPr>
-        <p:spPr>
-          <a:xfrm>
-            <a:off x="5275378" y="4266840"/>
-            <a:ext cx="1087946" cy="720000"/>
-          </a:xfrm>
-          <a:prstGeom prst="hexagon">
-            <a:avLst/>
-          </a:prstGeom>
-          <a:noFill/>
-          <a:ln w="12700">
-            <a:solidFill>
-              <a:schemeClr val="accent4"/>
-            </a:solidFill>
-          </a:ln>
-        </p:spPr>
-        <p:style>
-          <a:lnRef idx="2">
-            <a:schemeClr val="accent1">
-              <a:shade val="50000"/>
-            </a:schemeClr>
-          </a:lnRef>
-          <a:fillRef idx="1">
-            <a:schemeClr val="accent1"/>
-          </a:fillRef>
-          <a:effectRef idx="0">
-            <a:schemeClr val="accent1"/>
-          </a:effectRef>
-          <a:fontRef idx="minor">
-            <a:schemeClr val="lt1"/>
-          </a:fontRef>
-        </p:style>
-        <p:txBody>
-          <a:bodyPr rtlCol="0" anchor="ctr"/>
-          <a:lstStyle/>
-          <a:p>
-            <a:pPr algn="ctr"/>
-            <a:r>
-              <a:rPr lang="es-MX" sz="1050" dirty="0">
-                <a:solidFill>
-                  <a:schemeClr val="accent2"/>
-                </a:solidFill>
-                <a:latin typeface="Proxima Nova" panose="020B0604020202020204" charset="0"/>
-              </a:rPr>
-              <a:t>Regresión logística</a:t>
-            </a:r>
-            <a:endParaRPr lang="es-AR" sz="1050" dirty="0">
-              <a:solidFill>
-                <a:schemeClr val="accent2"/>
-              </a:solidFill>
-              <a:latin typeface="Proxima Nova" panose="020B0604020202020204" charset="0"/>
-            </a:endParaRPr>
-          </a:p>
-        </p:txBody>
-      </p:sp>
-      <p:sp>
-        <p:nvSpPr>
-          <p:cNvPr id="11" name="Hexágono 10">
-            <a:extLst>
-              <a:ext uri="{FF2B5EF4-FFF2-40B4-BE49-F238E27FC236}">
-                <a16:creationId xmlns:a16="http://schemas.microsoft.com/office/drawing/2014/main" id="{224B2766-599F-4EDD-BB2E-66E05E651653}"/>
-              </a:ext>
-            </a:extLst>
-          </p:cNvPr>
-          <p:cNvSpPr/>
-          <p:nvPr/>
-        </p:nvSpPr>
-        <p:spPr>
-          <a:xfrm>
-            <a:off x="6403968" y="4266840"/>
-            <a:ext cx="1087946" cy="720000"/>
-          </a:xfrm>
-          <a:prstGeom prst="hexagon">
-            <a:avLst/>
-          </a:prstGeom>
-          <a:noFill/>
-          <a:ln w="28575">
-            <a:solidFill>
-              <a:schemeClr val="tx2"/>
-            </a:solidFill>
-          </a:ln>
-        </p:spPr>
-        <p:style>
-          <a:lnRef idx="2">
-            <a:schemeClr val="accent1">
-              <a:shade val="50000"/>
-            </a:schemeClr>
-          </a:lnRef>
-          <a:fillRef idx="1">
-            <a:schemeClr val="accent1"/>
-          </a:fillRef>
-          <a:effectRef idx="0">
-            <a:schemeClr val="accent1"/>
-          </a:effectRef>
-          <a:fontRef idx="minor">
-            <a:schemeClr val="lt1"/>
-          </a:fontRef>
-        </p:style>
-        <p:txBody>
-          <a:bodyPr rtlCol="0" anchor="ctr"/>
-          <a:lstStyle/>
-          <a:p>
-            <a:pPr algn="ctr"/>
-            <a:r>
-              <a:rPr lang="es-MX" sz="1050" dirty="0">
-                <a:solidFill>
-                  <a:schemeClr val="accent2"/>
-                </a:solidFill>
-                <a:latin typeface="Proxima Nova" panose="020B0604020202020204" charset="0"/>
-              </a:rPr>
-              <a:t>LDA</a:t>
             </a:r>
             <a:endParaRPr lang="es-AR" sz="1050" dirty="0">
               <a:solidFill>
@@ -18892,138 +18694,472 @@
           </a:fontRef>
         </p:style>
       </p:cxnSp>
-      <p:cxnSp>
-        <p:nvCxnSpPr>
-          <p:cNvPr id="20" name="Conector recto 19">
+      <p:grpSp>
+        <p:nvGrpSpPr>
+          <p:cNvPr id="23" name="Grupo 22">
             <a:extLst>
               <a:ext uri="{FF2B5EF4-FFF2-40B4-BE49-F238E27FC236}">
-                <a16:creationId xmlns:a16="http://schemas.microsoft.com/office/drawing/2014/main" id="{CB6668D4-DBA9-4C53-92E4-93562A0F9523}"/>
+                <a16:creationId xmlns:a16="http://schemas.microsoft.com/office/drawing/2014/main" id="{B7BA1A1B-A655-4A50-A251-BF99DA6D237F}"/>
               </a:ext>
             </a:extLst>
           </p:cNvPr>
-          <p:cNvCxnSpPr>
-            <a:cxnSpLocks/>
-            <a:stCxn id="12" idx="2"/>
-          </p:cNvCxnSpPr>
+          <p:cNvGrpSpPr/>
           <p:nvPr/>
-        </p:nvCxnSpPr>
-        <p:spPr>
+        </p:nvGrpSpPr>
+        <p:grpSpPr>
           <a:xfrm>
-            <a:off x="4357141" y="3991316"/>
-            <a:ext cx="0" cy="252000"/>
+            <a:off x="3094458" y="3982722"/>
+            <a:ext cx="4451377" cy="993357"/>
+            <a:chOff x="2231068" y="3666366"/>
+            <a:chExt cx="4451377" cy="993357"/>
           </a:xfrm>
-          <a:prstGeom prst="line">
-            <a:avLst/>
-          </a:prstGeom>
-          <a:ln>
-            <a:solidFill>
-              <a:schemeClr val="accent4"/>
-            </a:solidFill>
-          </a:ln>
-        </p:spPr>
-        <p:style>
-          <a:lnRef idx="1">
-            <a:schemeClr val="accent1"/>
-          </a:lnRef>
-          <a:fillRef idx="0">
-            <a:schemeClr val="accent1"/>
-          </a:fillRef>
-          <a:effectRef idx="0">
-            <a:schemeClr val="accent1"/>
-          </a:effectRef>
-          <a:fontRef idx="minor">
-            <a:schemeClr val="tx1"/>
-          </a:fontRef>
-        </p:style>
-      </p:cxnSp>
-      <p:cxnSp>
-        <p:nvCxnSpPr>
-          <p:cNvPr id="21" name="Conector recto 20">
-            <a:extLst>
-              <a:ext uri="{FF2B5EF4-FFF2-40B4-BE49-F238E27FC236}">
-                <a16:creationId xmlns:a16="http://schemas.microsoft.com/office/drawing/2014/main" id="{FDB4E981-4F2D-45D8-BC19-6A62718307A9}"/>
-              </a:ext>
-            </a:extLst>
-          </p:cNvPr>
-          <p:cNvCxnSpPr>
-            <a:cxnSpLocks/>
-            <a:stCxn id="13" idx="2"/>
-          </p:cNvCxnSpPr>
-          <p:nvPr/>
-        </p:nvCxnSpPr>
-        <p:spPr>
-          <a:xfrm flipH="1">
-            <a:off x="5819351" y="3989424"/>
-            <a:ext cx="526486" cy="275524"/>
-          </a:xfrm>
-          <a:prstGeom prst="line">
-            <a:avLst/>
-          </a:prstGeom>
-          <a:ln>
-            <a:solidFill>
-              <a:schemeClr val="accent4"/>
-            </a:solidFill>
-          </a:ln>
-        </p:spPr>
-        <p:style>
-          <a:lnRef idx="1">
-            <a:schemeClr val="accent1"/>
-          </a:lnRef>
-          <a:fillRef idx="0">
-            <a:schemeClr val="accent1"/>
-          </a:fillRef>
-          <a:effectRef idx="0">
-            <a:schemeClr val="accent1"/>
-          </a:effectRef>
-          <a:fontRef idx="minor">
-            <a:schemeClr val="tx1"/>
-          </a:fontRef>
-        </p:style>
-      </p:cxnSp>
-      <p:cxnSp>
-        <p:nvCxnSpPr>
-          <p:cNvPr id="22" name="Conector recto 21">
-            <a:extLst>
-              <a:ext uri="{FF2B5EF4-FFF2-40B4-BE49-F238E27FC236}">
-                <a16:creationId xmlns:a16="http://schemas.microsoft.com/office/drawing/2014/main" id="{317BC04E-4DB1-4223-BEAF-009EBC94DF0E}"/>
-              </a:ext>
-            </a:extLst>
-          </p:cNvPr>
-          <p:cNvCxnSpPr>
-            <a:cxnSpLocks/>
-            <a:stCxn id="13" idx="2"/>
-          </p:cNvCxnSpPr>
-          <p:nvPr/>
-        </p:nvCxnSpPr>
-        <p:spPr>
-          <a:xfrm>
-            <a:off x="6345837" y="3989424"/>
-            <a:ext cx="602104" cy="275524"/>
-          </a:xfrm>
-          <a:prstGeom prst="line">
-            <a:avLst/>
-          </a:prstGeom>
-          <a:ln>
-            <a:solidFill>
-              <a:schemeClr val="accent4"/>
-            </a:solidFill>
-          </a:ln>
-        </p:spPr>
-        <p:style>
-          <a:lnRef idx="1">
-            <a:schemeClr val="accent1"/>
-          </a:lnRef>
-          <a:fillRef idx="0">
-            <a:schemeClr val="accent1"/>
-          </a:fillRef>
-          <a:effectRef idx="0">
-            <a:schemeClr val="accent1"/>
-          </a:effectRef>
-          <a:fontRef idx="minor">
-            <a:schemeClr val="tx1"/>
-          </a:fontRef>
-        </p:style>
-      </p:cxnSp>
+        </p:grpSpPr>
+        <p:sp>
+          <p:nvSpPr>
+            <p:cNvPr id="24" name="Hexágono 23">
+              <a:extLst>
+                <a:ext uri="{FF2B5EF4-FFF2-40B4-BE49-F238E27FC236}">
+                  <a16:creationId xmlns:a16="http://schemas.microsoft.com/office/drawing/2014/main" id="{5E2E8CE4-CBE4-45B9-BE6A-191EFF723A6F}"/>
+                </a:ext>
+              </a:extLst>
+            </p:cNvPr>
+            <p:cNvSpPr/>
+            <p:nvPr/>
+          </p:nvSpPr>
+          <p:spPr>
+            <a:xfrm>
+              <a:off x="2231068" y="3939723"/>
+              <a:ext cx="1087946" cy="720000"/>
+            </a:xfrm>
+            <a:prstGeom prst="hexagon">
+              <a:avLst/>
+            </a:prstGeom>
+            <a:noFill/>
+            <a:ln w="28575">
+              <a:solidFill>
+                <a:srgbClr val="63D297"/>
+              </a:solidFill>
+            </a:ln>
+          </p:spPr>
+          <p:style>
+            <a:lnRef idx="2">
+              <a:schemeClr val="accent1">
+                <a:shade val="50000"/>
+              </a:schemeClr>
+            </a:lnRef>
+            <a:fillRef idx="1">
+              <a:schemeClr val="accent1"/>
+            </a:fillRef>
+            <a:effectRef idx="0">
+              <a:schemeClr val="accent1"/>
+            </a:effectRef>
+            <a:fontRef idx="minor">
+              <a:schemeClr val="lt1"/>
+            </a:fontRef>
+          </p:style>
+          <p:txBody>
+            <a:bodyPr rtlCol="0" anchor="ctr"/>
+            <a:lstStyle/>
+            <a:p>
+              <a:pPr algn="ctr"/>
+              <a:r>
+                <a:rPr lang="es-MX" sz="1050">
+                  <a:solidFill>
+                    <a:schemeClr val="accent2"/>
+                  </a:solidFill>
+                  <a:latin typeface="Proxima Nova" panose="020B0604020202020204" charset="0"/>
+                </a:rPr>
+                <a:t>KNN</a:t>
+              </a:r>
+              <a:endParaRPr lang="es-AR" sz="1050" dirty="0">
+                <a:solidFill>
+                  <a:schemeClr val="accent2"/>
+                </a:solidFill>
+                <a:latin typeface="Proxima Nova" panose="020B0604020202020204" charset="0"/>
+              </a:endParaRPr>
+            </a:p>
+          </p:txBody>
+        </p:sp>
+        <p:sp>
+          <p:nvSpPr>
+            <p:cNvPr id="25" name="Hexágono 24">
+              <a:extLst>
+                <a:ext uri="{FF2B5EF4-FFF2-40B4-BE49-F238E27FC236}">
+                  <a16:creationId xmlns:a16="http://schemas.microsoft.com/office/drawing/2014/main" id="{36036BA3-A3F4-4103-B24A-6F4836B97600}"/>
+                </a:ext>
+              </a:extLst>
+            </p:cNvPr>
+            <p:cNvSpPr/>
+            <p:nvPr/>
+          </p:nvSpPr>
+          <p:spPr>
+            <a:xfrm>
+              <a:off x="4465909" y="3939723"/>
+              <a:ext cx="1087946" cy="720000"/>
+            </a:xfrm>
+            <a:prstGeom prst="hexagon">
+              <a:avLst/>
+            </a:prstGeom>
+            <a:noFill/>
+            <a:ln w="12700">
+              <a:solidFill>
+                <a:schemeClr val="accent4"/>
+              </a:solidFill>
+            </a:ln>
+          </p:spPr>
+          <p:style>
+            <a:lnRef idx="2">
+              <a:schemeClr val="accent1">
+                <a:shade val="50000"/>
+              </a:schemeClr>
+            </a:lnRef>
+            <a:fillRef idx="1">
+              <a:schemeClr val="accent1"/>
+            </a:fillRef>
+            <a:effectRef idx="0">
+              <a:schemeClr val="accent1"/>
+            </a:effectRef>
+            <a:fontRef idx="minor">
+              <a:schemeClr val="lt1"/>
+            </a:fontRef>
+          </p:style>
+          <p:txBody>
+            <a:bodyPr rtlCol="0" anchor="ctr"/>
+            <a:lstStyle/>
+            <a:p>
+              <a:pPr algn="ctr"/>
+              <a:r>
+                <a:rPr lang="es-MX" sz="1050" dirty="0">
+                  <a:solidFill>
+                    <a:schemeClr val="accent2"/>
+                  </a:solidFill>
+                  <a:latin typeface="Proxima Nova" panose="020B0604020202020204" charset="0"/>
+                </a:rPr>
+                <a:t>Regresión logística</a:t>
+              </a:r>
+              <a:endParaRPr lang="es-AR" sz="1050" dirty="0">
+                <a:solidFill>
+                  <a:schemeClr val="accent2"/>
+                </a:solidFill>
+                <a:latin typeface="Proxima Nova" panose="020B0604020202020204" charset="0"/>
+              </a:endParaRPr>
+            </a:p>
+          </p:txBody>
+        </p:sp>
+        <p:sp>
+          <p:nvSpPr>
+            <p:cNvPr id="26" name="Hexágono 25">
+              <a:extLst>
+                <a:ext uri="{FF2B5EF4-FFF2-40B4-BE49-F238E27FC236}">
+                  <a16:creationId xmlns:a16="http://schemas.microsoft.com/office/drawing/2014/main" id="{CBA7F55C-56EB-4463-8D67-BA3960065FE9}"/>
+                </a:ext>
+              </a:extLst>
+            </p:cNvPr>
+            <p:cNvSpPr/>
+            <p:nvPr/>
+          </p:nvSpPr>
+          <p:spPr>
+            <a:xfrm>
+              <a:off x="5594499" y="3939723"/>
+              <a:ext cx="1087946" cy="720000"/>
+            </a:xfrm>
+            <a:prstGeom prst="hexagon">
+              <a:avLst/>
+            </a:prstGeom>
+            <a:noFill/>
+            <a:ln w="28575">
+              <a:solidFill>
+                <a:srgbClr val="63D297"/>
+              </a:solidFill>
+            </a:ln>
+          </p:spPr>
+          <p:style>
+            <a:lnRef idx="2">
+              <a:schemeClr val="accent1">
+                <a:shade val="50000"/>
+              </a:schemeClr>
+            </a:lnRef>
+            <a:fillRef idx="1">
+              <a:schemeClr val="accent1"/>
+            </a:fillRef>
+            <a:effectRef idx="0">
+              <a:schemeClr val="accent1"/>
+            </a:effectRef>
+            <a:fontRef idx="minor">
+              <a:schemeClr val="lt1"/>
+            </a:fontRef>
+          </p:style>
+          <p:txBody>
+            <a:bodyPr rtlCol="0" anchor="ctr"/>
+            <a:lstStyle/>
+            <a:p>
+              <a:pPr algn="ctr"/>
+              <a:r>
+                <a:rPr lang="es-MX" sz="1050" dirty="0">
+                  <a:solidFill>
+                    <a:schemeClr val="accent2"/>
+                  </a:solidFill>
+                  <a:latin typeface="Proxima Nova" panose="020B0604020202020204" charset="0"/>
+                </a:rPr>
+                <a:t>LDA/QDA</a:t>
+              </a:r>
+              <a:endParaRPr lang="es-AR" sz="1050" dirty="0">
+                <a:solidFill>
+                  <a:schemeClr val="accent2"/>
+                </a:solidFill>
+                <a:latin typeface="Proxima Nova" panose="020B0604020202020204" charset="0"/>
+              </a:endParaRPr>
+            </a:p>
+          </p:txBody>
+        </p:sp>
+        <p:cxnSp>
+          <p:nvCxnSpPr>
+            <p:cNvPr id="27" name="Conector recto 26">
+              <a:extLst>
+                <a:ext uri="{FF2B5EF4-FFF2-40B4-BE49-F238E27FC236}">
+                  <a16:creationId xmlns:a16="http://schemas.microsoft.com/office/drawing/2014/main" id="{5F01EF89-A3D1-4AA7-AE5D-2C0FA15D4E8F}"/>
+                </a:ext>
+              </a:extLst>
+            </p:cNvPr>
+            <p:cNvCxnSpPr>
+              <a:cxnSpLocks/>
+            </p:cNvCxnSpPr>
+            <p:nvPr/>
+          </p:nvCxnSpPr>
+          <p:spPr>
+            <a:xfrm flipH="1">
+              <a:off x="2785730" y="3668258"/>
+              <a:ext cx="761942" cy="258700"/>
+            </a:xfrm>
+            <a:prstGeom prst="line">
+              <a:avLst/>
+            </a:prstGeom>
+            <a:ln w="12700">
+              <a:solidFill>
+                <a:schemeClr val="accent4"/>
+              </a:solidFill>
+            </a:ln>
+          </p:spPr>
+          <p:style>
+            <a:lnRef idx="1">
+              <a:schemeClr val="accent1"/>
+            </a:lnRef>
+            <a:fillRef idx="0">
+              <a:schemeClr val="accent1"/>
+            </a:fillRef>
+            <a:effectRef idx="0">
+              <a:schemeClr val="accent1"/>
+            </a:effectRef>
+            <a:fontRef idx="minor">
+              <a:schemeClr val="tx1"/>
+            </a:fontRef>
+          </p:style>
+        </p:cxnSp>
+        <p:cxnSp>
+          <p:nvCxnSpPr>
+            <p:cNvPr id="28" name="Conector recto 27">
+              <a:extLst>
+                <a:ext uri="{FF2B5EF4-FFF2-40B4-BE49-F238E27FC236}">
+                  <a16:creationId xmlns:a16="http://schemas.microsoft.com/office/drawing/2014/main" id="{9F881377-83D8-4E11-B1F3-BAF282F42395}"/>
+                </a:ext>
+              </a:extLst>
+            </p:cNvPr>
+            <p:cNvCxnSpPr>
+              <a:cxnSpLocks/>
+            </p:cNvCxnSpPr>
+            <p:nvPr/>
+          </p:nvCxnSpPr>
+          <p:spPr>
+            <a:xfrm flipH="1">
+              <a:off x="5009882" y="3666366"/>
+              <a:ext cx="526486" cy="275524"/>
+            </a:xfrm>
+            <a:prstGeom prst="line">
+              <a:avLst/>
+            </a:prstGeom>
+            <a:ln w="12700">
+              <a:solidFill>
+                <a:schemeClr val="accent4"/>
+              </a:solidFill>
+            </a:ln>
+          </p:spPr>
+          <p:style>
+            <a:lnRef idx="1">
+              <a:schemeClr val="accent1"/>
+            </a:lnRef>
+            <a:fillRef idx="0">
+              <a:schemeClr val="accent1"/>
+            </a:fillRef>
+            <a:effectRef idx="0">
+              <a:schemeClr val="accent1"/>
+            </a:effectRef>
+            <a:fontRef idx="minor">
+              <a:schemeClr val="tx1"/>
+            </a:fontRef>
+          </p:style>
+        </p:cxnSp>
+        <p:cxnSp>
+          <p:nvCxnSpPr>
+            <p:cNvPr id="29" name="Conector recto 28">
+              <a:extLst>
+                <a:ext uri="{FF2B5EF4-FFF2-40B4-BE49-F238E27FC236}">
+                  <a16:creationId xmlns:a16="http://schemas.microsoft.com/office/drawing/2014/main" id="{BCD41DBB-9190-4CE5-95FC-A0C326C2E61B}"/>
+                </a:ext>
+              </a:extLst>
+            </p:cNvPr>
+            <p:cNvCxnSpPr>
+              <a:cxnSpLocks/>
+            </p:cNvCxnSpPr>
+            <p:nvPr/>
+          </p:nvCxnSpPr>
+          <p:spPr>
+            <a:xfrm>
+              <a:off x="5536368" y="3666366"/>
+              <a:ext cx="602104" cy="275524"/>
+            </a:xfrm>
+            <a:prstGeom prst="line">
+              <a:avLst/>
+            </a:prstGeom>
+            <a:ln w="12700">
+              <a:solidFill>
+                <a:schemeClr val="accent4"/>
+              </a:solidFill>
+            </a:ln>
+          </p:spPr>
+          <p:style>
+            <a:lnRef idx="1">
+              <a:schemeClr val="accent1"/>
+            </a:lnRef>
+            <a:fillRef idx="0">
+              <a:schemeClr val="accent1"/>
+            </a:fillRef>
+            <a:effectRef idx="0">
+              <a:schemeClr val="accent1"/>
+            </a:effectRef>
+            <a:fontRef idx="minor">
+              <a:schemeClr val="tx1"/>
+            </a:fontRef>
+          </p:style>
+        </p:cxnSp>
+        <p:sp>
+          <p:nvSpPr>
+            <p:cNvPr id="30" name="Hexágono 29">
+              <a:extLst>
+                <a:ext uri="{FF2B5EF4-FFF2-40B4-BE49-F238E27FC236}">
+                  <a16:creationId xmlns:a16="http://schemas.microsoft.com/office/drawing/2014/main" id="{E984C9F8-8903-4E77-B5A9-F08B86DD97B0}"/>
+                </a:ext>
+              </a:extLst>
+            </p:cNvPr>
+            <p:cNvSpPr/>
+            <p:nvPr/>
+          </p:nvSpPr>
+          <p:spPr>
+            <a:xfrm>
+              <a:off x="3348488" y="3939723"/>
+              <a:ext cx="1087946" cy="720000"/>
+            </a:xfrm>
+            <a:prstGeom prst="hexagon">
+              <a:avLst/>
+            </a:prstGeom>
+            <a:noFill/>
+            <a:ln w="28575">
+              <a:solidFill>
+                <a:srgbClr val="63D297"/>
+              </a:solidFill>
+            </a:ln>
+          </p:spPr>
+          <p:style>
+            <a:lnRef idx="2">
+              <a:schemeClr val="accent1">
+                <a:shade val="50000"/>
+              </a:schemeClr>
+            </a:lnRef>
+            <a:fillRef idx="1">
+              <a:schemeClr val="accent1"/>
+            </a:fillRef>
+            <a:effectRef idx="0">
+              <a:schemeClr val="accent1"/>
+            </a:effectRef>
+            <a:fontRef idx="minor">
+              <a:schemeClr val="lt1"/>
+            </a:fontRef>
+          </p:style>
+          <p:txBody>
+            <a:bodyPr rtlCol="0" anchor="ctr"/>
+            <a:lstStyle/>
+            <a:p>
+              <a:pPr algn="ctr"/>
+              <a:r>
+                <a:rPr lang="es-MX" sz="1050" dirty="0" err="1">
+                  <a:solidFill>
+                    <a:schemeClr val="accent2"/>
+                  </a:solidFill>
+                  <a:latin typeface="Proxima Nova" panose="020B0604020202020204" charset="0"/>
+                </a:rPr>
+                <a:t>Naive</a:t>
+              </a:r>
+              <a:r>
+                <a:rPr lang="es-MX" sz="1050" dirty="0">
+                  <a:solidFill>
+                    <a:schemeClr val="accent2"/>
+                  </a:solidFill>
+                  <a:latin typeface="Proxima Nova" panose="020B0604020202020204" charset="0"/>
+                </a:rPr>
+                <a:t> Bayes</a:t>
+              </a:r>
+              <a:endParaRPr lang="es-AR" sz="1050" dirty="0">
+                <a:solidFill>
+                  <a:schemeClr val="accent2"/>
+                </a:solidFill>
+                <a:latin typeface="Proxima Nova" panose="020B0604020202020204" charset="0"/>
+              </a:endParaRPr>
+            </a:p>
+          </p:txBody>
+        </p:sp>
+        <p:cxnSp>
+          <p:nvCxnSpPr>
+            <p:cNvPr id="31" name="Conector recto 30">
+              <a:extLst>
+                <a:ext uri="{FF2B5EF4-FFF2-40B4-BE49-F238E27FC236}">
+                  <a16:creationId xmlns:a16="http://schemas.microsoft.com/office/drawing/2014/main" id="{223B8F57-79A1-407F-AC0B-9D7FB5430EC4}"/>
+                </a:ext>
+              </a:extLst>
+            </p:cNvPr>
+            <p:cNvCxnSpPr>
+              <a:cxnSpLocks/>
+            </p:cNvCxnSpPr>
+            <p:nvPr/>
+          </p:nvCxnSpPr>
+          <p:spPr>
+            <a:xfrm>
+              <a:off x="3547672" y="3668258"/>
+              <a:ext cx="344789" cy="270528"/>
+            </a:xfrm>
+            <a:prstGeom prst="line">
+              <a:avLst/>
+            </a:prstGeom>
+            <a:ln w="12700">
+              <a:solidFill>
+                <a:schemeClr val="accent4"/>
+              </a:solidFill>
+            </a:ln>
+          </p:spPr>
+          <p:style>
+            <a:lnRef idx="1">
+              <a:schemeClr val="accent1"/>
+            </a:lnRef>
+            <a:fillRef idx="0">
+              <a:schemeClr val="accent1"/>
+            </a:fillRef>
+            <a:effectRef idx="0">
+              <a:schemeClr val="accent1"/>
+            </a:effectRef>
+            <a:fontRef idx="minor">
+              <a:schemeClr val="tx1"/>
+            </a:fontRef>
+          </p:style>
+        </p:cxnSp>
+      </p:grpSp>
     </p:spTree>
   </p:cSld>
   <p:clrMapOvr>
@@ -20750,204 +20886,6 @@
       </p:sp>
       <p:sp>
         <p:nvSpPr>
-          <p:cNvPr id="20" name="Hexágono 19">
-            <a:extLst>
-              <a:ext uri="{FF2B5EF4-FFF2-40B4-BE49-F238E27FC236}">
-                <a16:creationId xmlns:a16="http://schemas.microsoft.com/office/drawing/2014/main" id="{C213F2BA-31F1-48E9-92AE-02682E122CBA}"/>
-              </a:ext>
-            </a:extLst>
-          </p:cNvPr>
-          <p:cNvSpPr/>
-          <p:nvPr/>
-        </p:nvSpPr>
-        <p:spPr>
-          <a:xfrm>
-            <a:off x="3003699" y="3935665"/>
-            <a:ext cx="1087946" cy="720000"/>
-          </a:xfrm>
-          <a:prstGeom prst="hexagon">
-            <a:avLst/>
-          </a:prstGeom>
-          <a:noFill/>
-          <a:ln w="12700">
-            <a:solidFill>
-              <a:schemeClr val="accent4"/>
-            </a:solidFill>
-          </a:ln>
-        </p:spPr>
-        <p:style>
-          <a:lnRef idx="2">
-            <a:schemeClr val="accent1">
-              <a:shade val="50000"/>
-            </a:schemeClr>
-          </a:lnRef>
-          <a:fillRef idx="1">
-            <a:schemeClr val="accent1"/>
-          </a:fillRef>
-          <a:effectRef idx="0">
-            <a:schemeClr val="accent1"/>
-          </a:effectRef>
-          <a:fontRef idx="minor">
-            <a:schemeClr val="lt1"/>
-          </a:fontRef>
-        </p:style>
-        <p:txBody>
-          <a:bodyPr rtlCol="0" anchor="ctr"/>
-          <a:lstStyle/>
-          <a:p>
-            <a:pPr algn="ctr"/>
-            <a:r>
-              <a:rPr lang="es-MX" sz="1050" dirty="0">
-                <a:solidFill>
-                  <a:schemeClr val="accent2"/>
-                </a:solidFill>
-                <a:latin typeface="Proxima Nova" panose="020B0604020202020204" charset="0"/>
-              </a:rPr>
-              <a:t>KNN</a:t>
-            </a:r>
-            <a:endParaRPr lang="es-AR" sz="1050" dirty="0">
-              <a:solidFill>
-                <a:schemeClr val="accent2"/>
-              </a:solidFill>
-              <a:latin typeface="Proxima Nova" panose="020B0604020202020204" charset="0"/>
-            </a:endParaRPr>
-          </a:p>
-        </p:txBody>
-      </p:sp>
-      <p:sp>
-        <p:nvSpPr>
-          <p:cNvPr id="21" name="Hexágono 20">
-            <a:extLst>
-              <a:ext uri="{FF2B5EF4-FFF2-40B4-BE49-F238E27FC236}">
-                <a16:creationId xmlns:a16="http://schemas.microsoft.com/office/drawing/2014/main" id="{97216F1F-A4F2-4D04-B1C8-9E2FFD92A4E4}"/>
-              </a:ext>
-            </a:extLst>
-          </p:cNvPr>
-          <p:cNvSpPr/>
-          <p:nvPr/>
-        </p:nvSpPr>
-        <p:spPr>
-          <a:xfrm>
-            <a:off x="4465909" y="3943782"/>
-            <a:ext cx="1087946" cy="720000"/>
-          </a:xfrm>
-          <a:prstGeom prst="hexagon">
-            <a:avLst/>
-          </a:prstGeom>
-          <a:noFill/>
-          <a:ln w="28575">
-            <a:solidFill>
-              <a:schemeClr val="tx2"/>
-            </a:solidFill>
-          </a:ln>
-        </p:spPr>
-        <p:style>
-          <a:lnRef idx="2">
-            <a:schemeClr val="accent1">
-              <a:shade val="50000"/>
-            </a:schemeClr>
-          </a:lnRef>
-          <a:fillRef idx="1">
-            <a:schemeClr val="accent1"/>
-          </a:fillRef>
-          <a:effectRef idx="0">
-            <a:schemeClr val="accent1"/>
-          </a:effectRef>
-          <a:fontRef idx="minor">
-            <a:schemeClr val="lt1"/>
-          </a:fontRef>
-        </p:style>
-        <p:txBody>
-          <a:bodyPr rtlCol="0" anchor="ctr"/>
-          <a:lstStyle/>
-          <a:p>
-            <a:pPr algn="ctr"/>
-            <a:r>
-              <a:rPr lang="es-MX" sz="1050" dirty="0">
-                <a:solidFill>
-                  <a:schemeClr val="accent2"/>
-                </a:solidFill>
-                <a:latin typeface="Proxima Nova" panose="020B0604020202020204" charset="0"/>
-              </a:rPr>
-              <a:t>Regresión logística</a:t>
-            </a:r>
-            <a:endParaRPr lang="es-AR" sz="1050" dirty="0">
-              <a:solidFill>
-                <a:schemeClr val="accent2"/>
-              </a:solidFill>
-              <a:latin typeface="Proxima Nova" panose="020B0604020202020204" charset="0"/>
-            </a:endParaRPr>
-          </a:p>
-        </p:txBody>
-      </p:sp>
-      <p:sp>
-        <p:nvSpPr>
-          <p:cNvPr id="22" name="Hexágono 21">
-            <a:extLst>
-              <a:ext uri="{FF2B5EF4-FFF2-40B4-BE49-F238E27FC236}">
-                <a16:creationId xmlns:a16="http://schemas.microsoft.com/office/drawing/2014/main" id="{9448D5DB-40E2-440C-B311-7317E78E6ED1}"/>
-              </a:ext>
-            </a:extLst>
-          </p:cNvPr>
-          <p:cNvSpPr/>
-          <p:nvPr/>
-        </p:nvSpPr>
-        <p:spPr>
-          <a:xfrm>
-            <a:off x="5594499" y="3943782"/>
-            <a:ext cx="1087946" cy="720000"/>
-          </a:xfrm>
-          <a:prstGeom prst="hexagon">
-            <a:avLst/>
-          </a:prstGeom>
-          <a:noFill/>
-          <a:ln w="12700">
-            <a:solidFill>
-              <a:schemeClr val="accent4"/>
-            </a:solidFill>
-          </a:ln>
-        </p:spPr>
-        <p:style>
-          <a:lnRef idx="2">
-            <a:schemeClr val="accent1">
-              <a:shade val="50000"/>
-            </a:schemeClr>
-          </a:lnRef>
-          <a:fillRef idx="1">
-            <a:schemeClr val="accent1"/>
-          </a:fillRef>
-          <a:effectRef idx="0">
-            <a:schemeClr val="accent1"/>
-          </a:effectRef>
-          <a:fontRef idx="minor">
-            <a:schemeClr val="lt1"/>
-          </a:fontRef>
-        </p:style>
-        <p:txBody>
-          <a:bodyPr rtlCol="0" anchor="ctr"/>
-          <a:lstStyle/>
-          <a:p>
-            <a:pPr algn="ctr"/>
-            <a:r>
-              <a:rPr lang="es-MX" sz="1050" dirty="0">
-                <a:solidFill>
-                  <a:schemeClr val="accent2"/>
-                </a:solidFill>
-                <a:latin typeface="Proxima Nova" panose="020B0604020202020204" charset="0"/>
-              </a:rPr>
-              <a:t>LDA</a:t>
-            </a:r>
-            <a:endParaRPr lang="es-AR" sz="1050" dirty="0">
-              <a:solidFill>
-                <a:schemeClr val="accent2"/>
-              </a:solidFill>
-              <a:latin typeface="Proxima Nova" panose="020B0604020202020204" charset="0"/>
-            </a:endParaRPr>
-          </a:p>
-        </p:txBody>
-      </p:sp>
-      <p:sp>
-        <p:nvSpPr>
           <p:cNvPr id="23" name="Rectángulo: esquinas redondeadas 22">
             <a:extLst>
               <a:ext uri="{FF2B5EF4-FFF2-40B4-BE49-F238E27FC236}">
@@ -21437,138 +21375,6 @@
       </p:cxnSp>
       <p:cxnSp>
         <p:nvCxnSpPr>
-          <p:cNvPr id="52" name="Conector recto 51">
-            <a:extLst>
-              <a:ext uri="{FF2B5EF4-FFF2-40B4-BE49-F238E27FC236}">
-                <a16:creationId xmlns:a16="http://schemas.microsoft.com/office/drawing/2014/main" id="{D05382A2-D7D6-4418-91FA-F06975755EFA}"/>
-              </a:ext>
-            </a:extLst>
-          </p:cNvPr>
-          <p:cNvCxnSpPr>
-            <a:cxnSpLocks/>
-            <a:stCxn id="23" idx="2"/>
-          </p:cNvCxnSpPr>
-          <p:nvPr/>
-        </p:nvCxnSpPr>
-        <p:spPr>
-          <a:xfrm>
-            <a:off x="3547672" y="3668258"/>
-            <a:ext cx="0" cy="252000"/>
-          </a:xfrm>
-          <a:prstGeom prst="line">
-            <a:avLst/>
-          </a:prstGeom>
-          <a:ln w="12700">
-            <a:solidFill>
-              <a:schemeClr val="accent4"/>
-            </a:solidFill>
-          </a:ln>
-        </p:spPr>
-        <p:style>
-          <a:lnRef idx="1">
-            <a:schemeClr val="accent1"/>
-          </a:lnRef>
-          <a:fillRef idx="0">
-            <a:schemeClr val="accent1"/>
-          </a:fillRef>
-          <a:effectRef idx="0">
-            <a:schemeClr val="accent1"/>
-          </a:effectRef>
-          <a:fontRef idx="minor">
-            <a:schemeClr val="tx1"/>
-          </a:fontRef>
-        </p:style>
-      </p:cxnSp>
-      <p:cxnSp>
-        <p:nvCxnSpPr>
-          <p:cNvPr id="55" name="Conector recto 54">
-            <a:extLst>
-              <a:ext uri="{FF2B5EF4-FFF2-40B4-BE49-F238E27FC236}">
-                <a16:creationId xmlns:a16="http://schemas.microsoft.com/office/drawing/2014/main" id="{1C9CA186-BA11-44F3-BB42-E6592CADB14F}"/>
-              </a:ext>
-            </a:extLst>
-          </p:cNvPr>
-          <p:cNvCxnSpPr>
-            <a:cxnSpLocks/>
-            <a:stCxn id="24" idx="2"/>
-          </p:cNvCxnSpPr>
-          <p:nvPr/>
-        </p:nvCxnSpPr>
-        <p:spPr>
-          <a:xfrm flipH="1">
-            <a:off x="5009882" y="3666366"/>
-            <a:ext cx="526486" cy="275524"/>
-          </a:xfrm>
-          <a:prstGeom prst="line">
-            <a:avLst/>
-          </a:prstGeom>
-          <a:ln w="12700">
-            <a:solidFill>
-              <a:schemeClr val="accent4"/>
-            </a:solidFill>
-          </a:ln>
-        </p:spPr>
-        <p:style>
-          <a:lnRef idx="1">
-            <a:schemeClr val="accent1"/>
-          </a:lnRef>
-          <a:fillRef idx="0">
-            <a:schemeClr val="accent1"/>
-          </a:fillRef>
-          <a:effectRef idx="0">
-            <a:schemeClr val="accent1"/>
-          </a:effectRef>
-          <a:fontRef idx="minor">
-            <a:schemeClr val="tx1"/>
-          </a:fontRef>
-        </p:style>
-      </p:cxnSp>
-      <p:cxnSp>
-        <p:nvCxnSpPr>
-          <p:cNvPr id="58" name="Conector recto 57">
-            <a:extLst>
-              <a:ext uri="{FF2B5EF4-FFF2-40B4-BE49-F238E27FC236}">
-                <a16:creationId xmlns:a16="http://schemas.microsoft.com/office/drawing/2014/main" id="{BCF97D6B-32FC-4C6B-B0A5-7FC37875742B}"/>
-              </a:ext>
-            </a:extLst>
-          </p:cNvPr>
-          <p:cNvCxnSpPr>
-            <a:cxnSpLocks/>
-            <a:stCxn id="24" idx="2"/>
-          </p:cNvCxnSpPr>
-          <p:nvPr/>
-        </p:nvCxnSpPr>
-        <p:spPr>
-          <a:xfrm>
-            <a:off x="5536368" y="3666366"/>
-            <a:ext cx="602104" cy="275524"/>
-          </a:xfrm>
-          <a:prstGeom prst="line">
-            <a:avLst/>
-          </a:prstGeom>
-          <a:ln w="12700">
-            <a:solidFill>
-              <a:schemeClr val="accent4"/>
-            </a:solidFill>
-          </a:ln>
-        </p:spPr>
-        <p:style>
-          <a:lnRef idx="1">
-            <a:schemeClr val="accent1"/>
-          </a:lnRef>
-          <a:fillRef idx="0">
-            <a:schemeClr val="accent1"/>
-          </a:fillRef>
-          <a:effectRef idx="0">
-            <a:schemeClr val="accent1"/>
-          </a:effectRef>
-          <a:fontRef idx="minor">
-            <a:schemeClr val="tx1"/>
-          </a:fontRef>
-        </p:style>
-      </p:cxnSp>
-      <p:cxnSp>
-        <p:nvCxnSpPr>
           <p:cNvPr id="60" name="Conector recto 59">
             <a:extLst>
               <a:ext uri="{FF2B5EF4-FFF2-40B4-BE49-F238E27FC236}">
@@ -21654,6 +21460,472 @@
           </a:fontRef>
         </p:style>
       </p:cxnSp>
+      <p:grpSp>
+        <p:nvGrpSpPr>
+          <p:cNvPr id="31" name="Grupo 30">
+            <a:extLst>
+              <a:ext uri="{FF2B5EF4-FFF2-40B4-BE49-F238E27FC236}">
+                <a16:creationId xmlns:a16="http://schemas.microsoft.com/office/drawing/2014/main" id="{502142DA-8124-47E7-94E0-8F8E71645525}"/>
+              </a:ext>
+            </a:extLst>
+          </p:cNvPr>
+          <p:cNvGrpSpPr/>
+          <p:nvPr/>
+        </p:nvGrpSpPr>
+        <p:grpSpPr>
+          <a:xfrm>
+            <a:off x="2323476" y="3662347"/>
+            <a:ext cx="4451377" cy="993357"/>
+            <a:chOff x="2231068" y="3666366"/>
+            <a:chExt cx="4451377" cy="993357"/>
+          </a:xfrm>
+        </p:grpSpPr>
+        <p:sp>
+          <p:nvSpPr>
+            <p:cNvPr id="32" name="Hexágono 31">
+              <a:extLst>
+                <a:ext uri="{FF2B5EF4-FFF2-40B4-BE49-F238E27FC236}">
+                  <a16:creationId xmlns:a16="http://schemas.microsoft.com/office/drawing/2014/main" id="{529EAA1E-A7F6-4F37-8D6D-88E830B90B0A}"/>
+                </a:ext>
+              </a:extLst>
+            </p:cNvPr>
+            <p:cNvSpPr/>
+            <p:nvPr/>
+          </p:nvSpPr>
+          <p:spPr>
+            <a:xfrm>
+              <a:off x="2231068" y="3939723"/>
+              <a:ext cx="1087946" cy="720000"/>
+            </a:xfrm>
+            <a:prstGeom prst="hexagon">
+              <a:avLst/>
+            </a:prstGeom>
+            <a:noFill/>
+            <a:ln w="12700">
+              <a:solidFill>
+                <a:schemeClr val="accent4"/>
+              </a:solidFill>
+            </a:ln>
+          </p:spPr>
+          <p:style>
+            <a:lnRef idx="2">
+              <a:schemeClr val="accent1">
+                <a:shade val="50000"/>
+              </a:schemeClr>
+            </a:lnRef>
+            <a:fillRef idx="1">
+              <a:schemeClr val="accent1"/>
+            </a:fillRef>
+            <a:effectRef idx="0">
+              <a:schemeClr val="accent1"/>
+            </a:effectRef>
+            <a:fontRef idx="minor">
+              <a:schemeClr val="lt1"/>
+            </a:fontRef>
+          </p:style>
+          <p:txBody>
+            <a:bodyPr rtlCol="0" anchor="ctr"/>
+            <a:lstStyle/>
+            <a:p>
+              <a:pPr algn="ctr"/>
+              <a:r>
+                <a:rPr lang="es-MX" sz="1050">
+                  <a:solidFill>
+                    <a:schemeClr val="accent2"/>
+                  </a:solidFill>
+                  <a:latin typeface="Proxima Nova" panose="020B0604020202020204" charset="0"/>
+                </a:rPr>
+                <a:t>KNN</a:t>
+              </a:r>
+              <a:endParaRPr lang="es-AR" sz="1050" dirty="0">
+                <a:solidFill>
+                  <a:schemeClr val="accent2"/>
+                </a:solidFill>
+                <a:latin typeface="Proxima Nova" panose="020B0604020202020204" charset="0"/>
+              </a:endParaRPr>
+            </a:p>
+          </p:txBody>
+        </p:sp>
+        <p:sp>
+          <p:nvSpPr>
+            <p:cNvPr id="34" name="Hexágono 33">
+              <a:extLst>
+                <a:ext uri="{FF2B5EF4-FFF2-40B4-BE49-F238E27FC236}">
+                  <a16:creationId xmlns:a16="http://schemas.microsoft.com/office/drawing/2014/main" id="{04F7ED29-805D-4E20-A16C-0063D4904281}"/>
+                </a:ext>
+              </a:extLst>
+            </p:cNvPr>
+            <p:cNvSpPr/>
+            <p:nvPr/>
+          </p:nvSpPr>
+          <p:spPr>
+            <a:xfrm>
+              <a:off x="4465909" y="3939723"/>
+              <a:ext cx="1087946" cy="720000"/>
+            </a:xfrm>
+            <a:prstGeom prst="hexagon">
+              <a:avLst/>
+            </a:prstGeom>
+            <a:noFill/>
+            <a:ln w="28575">
+              <a:solidFill>
+                <a:srgbClr val="63D297"/>
+              </a:solidFill>
+            </a:ln>
+          </p:spPr>
+          <p:style>
+            <a:lnRef idx="2">
+              <a:schemeClr val="accent1">
+                <a:shade val="50000"/>
+              </a:schemeClr>
+            </a:lnRef>
+            <a:fillRef idx="1">
+              <a:schemeClr val="accent1"/>
+            </a:fillRef>
+            <a:effectRef idx="0">
+              <a:schemeClr val="accent1"/>
+            </a:effectRef>
+            <a:fontRef idx="minor">
+              <a:schemeClr val="lt1"/>
+            </a:fontRef>
+          </p:style>
+          <p:txBody>
+            <a:bodyPr rtlCol="0" anchor="ctr"/>
+            <a:lstStyle/>
+            <a:p>
+              <a:pPr algn="ctr"/>
+              <a:r>
+                <a:rPr lang="es-MX" sz="1050" dirty="0">
+                  <a:solidFill>
+                    <a:schemeClr val="accent2"/>
+                  </a:solidFill>
+                  <a:latin typeface="Proxima Nova" panose="020B0604020202020204" charset="0"/>
+                </a:rPr>
+                <a:t>Regresión logística</a:t>
+              </a:r>
+              <a:endParaRPr lang="es-AR" sz="1050" dirty="0">
+                <a:solidFill>
+                  <a:schemeClr val="accent2"/>
+                </a:solidFill>
+                <a:latin typeface="Proxima Nova" panose="020B0604020202020204" charset="0"/>
+              </a:endParaRPr>
+            </a:p>
+          </p:txBody>
+        </p:sp>
+        <p:sp>
+          <p:nvSpPr>
+            <p:cNvPr id="35" name="Hexágono 34">
+              <a:extLst>
+                <a:ext uri="{FF2B5EF4-FFF2-40B4-BE49-F238E27FC236}">
+                  <a16:creationId xmlns:a16="http://schemas.microsoft.com/office/drawing/2014/main" id="{8BBF3328-490A-4665-8116-04F84927AE1A}"/>
+                </a:ext>
+              </a:extLst>
+            </p:cNvPr>
+            <p:cNvSpPr/>
+            <p:nvPr/>
+          </p:nvSpPr>
+          <p:spPr>
+            <a:xfrm>
+              <a:off x="5594499" y="3939723"/>
+              <a:ext cx="1087946" cy="720000"/>
+            </a:xfrm>
+            <a:prstGeom prst="hexagon">
+              <a:avLst/>
+            </a:prstGeom>
+            <a:noFill/>
+            <a:ln w="12700">
+              <a:solidFill>
+                <a:schemeClr val="accent4"/>
+              </a:solidFill>
+            </a:ln>
+          </p:spPr>
+          <p:style>
+            <a:lnRef idx="2">
+              <a:schemeClr val="accent1">
+                <a:shade val="50000"/>
+              </a:schemeClr>
+            </a:lnRef>
+            <a:fillRef idx="1">
+              <a:schemeClr val="accent1"/>
+            </a:fillRef>
+            <a:effectRef idx="0">
+              <a:schemeClr val="accent1"/>
+            </a:effectRef>
+            <a:fontRef idx="minor">
+              <a:schemeClr val="lt1"/>
+            </a:fontRef>
+          </p:style>
+          <p:txBody>
+            <a:bodyPr rtlCol="0" anchor="ctr"/>
+            <a:lstStyle/>
+            <a:p>
+              <a:pPr algn="ctr"/>
+              <a:r>
+                <a:rPr lang="es-MX" sz="1050" dirty="0">
+                  <a:solidFill>
+                    <a:schemeClr val="accent2"/>
+                  </a:solidFill>
+                  <a:latin typeface="Proxima Nova" panose="020B0604020202020204" charset="0"/>
+                </a:rPr>
+                <a:t>LDA/QDA</a:t>
+              </a:r>
+              <a:endParaRPr lang="es-AR" sz="1050" dirty="0">
+                <a:solidFill>
+                  <a:schemeClr val="accent2"/>
+                </a:solidFill>
+                <a:latin typeface="Proxima Nova" panose="020B0604020202020204" charset="0"/>
+              </a:endParaRPr>
+            </a:p>
+          </p:txBody>
+        </p:sp>
+        <p:cxnSp>
+          <p:nvCxnSpPr>
+            <p:cNvPr id="37" name="Conector recto 36">
+              <a:extLst>
+                <a:ext uri="{FF2B5EF4-FFF2-40B4-BE49-F238E27FC236}">
+                  <a16:creationId xmlns:a16="http://schemas.microsoft.com/office/drawing/2014/main" id="{161A46A2-DA9B-492C-B01C-4A31DF994A3C}"/>
+                </a:ext>
+              </a:extLst>
+            </p:cNvPr>
+            <p:cNvCxnSpPr>
+              <a:cxnSpLocks/>
+            </p:cNvCxnSpPr>
+            <p:nvPr/>
+          </p:nvCxnSpPr>
+          <p:spPr>
+            <a:xfrm flipH="1">
+              <a:off x="2785730" y="3668258"/>
+              <a:ext cx="761942" cy="258700"/>
+            </a:xfrm>
+            <a:prstGeom prst="line">
+              <a:avLst/>
+            </a:prstGeom>
+            <a:ln w="12700">
+              <a:solidFill>
+                <a:schemeClr val="accent4"/>
+              </a:solidFill>
+            </a:ln>
+          </p:spPr>
+          <p:style>
+            <a:lnRef idx="1">
+              <a:schemeClr val="accent1"/>
+            </a:lnRef>
+            <a:fillRef idx="0">
+              <a:schemeClr val="accent1"/>
+            </a:fillRef>
+            <a:effectRef idx="0">
+              <a:schemeClr val="accent1"/>
+            </a:effectRef>
+            <a:fontRef idx="minor">
+              <a:schemeClr val="tx1"/>
+            </a:fontRef>
+          </p:style>
+        </p:cxnSp>
+        <p:cxnSp>
+          <p:nvCxnSpPr>
+            <p:cNvPr id="38" name="Conector recto 37">
+              <a:extLst>
+                <a:ext uri="{FF2B5EF4-FFF2-40B4-BE49-F238E27FC236}">
+                  <a16:creationId xmlns:a16="http://schemas.microsoft.com/office/drawing/2014/main" id="{1A0B9E42-2550-4DC0-A1B4-51A282E1C5D5}"/>
+                </a:ext>
+              </a:extLst>
+            </p:cNvPr>
+            <p:cNvCxnSpPr>
+              <a:cxnSpLocks/>
+            </p:cNvCxnSpPr>
+            <p:nvPr/>
+          </p:nvCxnSpPr>
+          <p:spPr>
+            <a:xfrm flipH="1">
+              <a:off x="5009882" y="3666366"/>
+              <a:ext cx="526486" cy="275524"/>
+            </a:xfrm>
+            <a:prstGeom prst="line">
+              <a:avLst/>
+            </a:prstGeom>
+            <a:ln w="12700">
+              <a:solidFill>
+                <a:schemeClr val="accent4"/>
+              </a:solidFill>
+            </a:ln>
+          </p:spPr>
+          <p:style>
+            <a:lnRef idx="1">
+              <a:schemeClr val="accent1"/>
+            </a:lnRef>
+            <a:fillRef idx="0">
+              <a:schemeClr val="accent1"/>
+            </a:fillRef>
+            <a:effectRef idx="0">
+              <a:schemeClr val="accent1"/>
+            </a:effectRef>
+            <a:fontRef idx="minor">
+              <a:schemeClr val="tx1"/>
+            </a:fontRef>
+          </p:style>
+        </p:cxnSp>
+        <p:cxnSp>
+          <p:nvCxnSpPr>
+            <p:cNvPr id="40" name="Conector recto 39">
+              <a:extLst>
+                <a:ext uri="{FF2B5EF4-FFF2-40B4-BE49-F238E27FC236}">
+                  <a16:creationId xmlns:a16="http://schemas.microsoft.com/office/drawing/2014/main" id="{E7B0F427-1252-47D5-9D8B-7E64D7A6EA3E}"/>
+                </a:ext>
+              </a:extLst>
+            </p:cNvPr>
+            <p:cNvCxnSpPr>
+              <a:cxnSpLocks/>
+            </p:cNvCxnSpPr>
+            <p:nvPr/>
+          </p:nvCxnSpPr>
+          <p:spPr>
+            <a:xfrm>
+              <a:off x="5536368" y="3666366"/>
+              <a:ext cx="602104" cy="275524"/>
+            </a:xfrm>
+            <a:prstGeom prst="line">
+              <a:avLst/>
+            </a:prstGeom>
+            <a:ln w="12700">
+              <a:solidFill>
+                <a:schemeClr val="accent4"/>
+              </a:solidFill>
+            </a:ln>
+          </p:spPr>
+          <p:style>
+            <a:lnRef idx="1">
+              <a:schemeClr val="accent1"/>
+            </a:lnRef>
+            <a:fillRef idx="0">
+              <a:schemeClr val="accent1"/>
+            </a:fillRef>
+            <a:effectRef idx="0">
+              <a:schemeClr val="accent1"/>
+            </a:effectRef>
+            <a:fontRef idx="minor">
+              <a:schemeClr val="tx1"/>
+            </a:fontRef>
+          </p:style>
+        </p:cxnSp>
+        <p:sp>
+          <p:nvSpPr>
+            <p:cNvPr id="41" name="Hexágono 40">
+              <a:extLst>
+                <a:ext uri="{FF2B5EF4-FFF2-40B4-BE49-F238E27FC236}">
+                  <a16:creationId xmlns:a16="http://schemas.microsoft.com/office/drawing/2014/main" id="{837149E1-CC41-437F-9E91-1F84285CFD88}"/>
+                </a:ext>
+              </a:extLst>
+            </p:cNvPr>
+            <p:cNvSpPr/>
+            <p:nvPr/>
+          </p:nvSpPr>
+          <p:spPr>
+            <a:xfrm>
+              <a:off x="3348488" y="3939723"/>
+              <a:ext cx="1087946" cy="720000"/>
+            </a:xfrm>
+            <a:prstGeom prst="hexagon">
+              <a:avLst/>
+            </a:prstGeom>
+            <a:noFill/>
+            <a:ln w="12700">
+              <a:solidFill>
+                <a:schemeClr val="accent4"/>
+              </a:solidFill>
+            </a:ln>
+          </p:spPr>
+          <p:style>
+            <a:lnRef idx="2">
+              <a:schemeClr val="accent1">
+                <a:shade val="50000"/>
+              </a:schemeClr>
+            </a:lnRef>
+            <a:fillRef idx="1">
+              <a:schemeClr val="accent1"/>
+            </a:fillRef>
+            <a:effectRef idx="0">
+              <a:schemeClr val="accent1"/>
+            </a:effectRef>
+            <a:fontRef idx="minor">
+              <a:schemeClr val="lt1"/>
+            </a:fontRef>
+          </p:style>
+          <p:txBody>
+            <a:bodyPr rtlCol="0" anchor="ctr"/>
+            <a:lstStyle/>
+            <a:p>
+              <a:pPr algn="ctr"/>
+              <a:r>
+                <a:rPr lang="es-MX" sz="1050" dirty="0" err="1">
+                  <a:solidFill>
+                    <a:schemeClr val="accent2"/>
+                  </a:solidFill>
+                  <a:latin typeface="Proxima Nova" panose="020B0604020202020204" charset="0"/>
+                </a:rPr>
+                <a:t>Naive</a:t>
+              </a:r>
+              <a:r>
+                <a:rPr lang="es-MX" sz="1050" dirty="0">
+                  <a:solidFill>
+                    <a:schemeClr val="accent2"/>
+                  </a:solidFill>
+                  <a:latin typeface="Proxima Nova" panose="020B0604020202020204" charset="0"/>
+                </a:rPr>
+                <a:t> Bayes</a:t>
+              </a:r>
+              <a:endParaRPr lang="es-AR" sz="1050" dirty="0">
+                <a:solidFill>
+                  <a:schemeClr val="accent2"/>
+                </a:solidFill>
+                <a:latin typeface="Proxima Nova" panose="020B0604020202020204" charset="0"/>
+              </a:endParaRPr>
+            </a:p>
+          </p:txBody>
+        </p:sp>
+        <p:cxnSp>
+          <p:nvCxnSpPr>
+            <p:cNvPr id="43" name="Conector recto 42">
+              <a:extLst>
+                <a:ext uri="{FF2B5EF4-FFF2-40B4-BE49-F238E27FC236}">
+                  <a16:creationId xmlns:a16="http://schemas.microsoft.com/office/drawing/2014/main" id="{F34A4B17-19D2-4D18-9719-D88C79DFEA8A}"/>
+                </a:ext>
+              </a:extLst>
+            </p:cNvPr>
+            <p:cNvCxnSpPr>
+              <a:cxnSpLocks/>
+            </p:cNvCxnSpPr>
+            <p:nvPr/>
+          </p:nvCxnSpPr>
+          <p:spPr>
+            <a:xfrm>
+              <a:off x="3547672" y="3668258"/>
+              <a:ext cx="344789" cy="270528"/>
+            </a:xfrm>
+            <a:prstGeom prst="line">
+              <a:avLst/>
+            </a:prstGeom>
+            <a:ln w="12700">
+              <a:solidFill>
+                <a:schemeClr val="accent4"/>
+              </a:solidFill>
+            </a:ln>
+          </p:spPr>
+          <p:style>
+            <a:lnRef idx="1">
+              <a:schemeClr val="accent1"/>
+            </a:lnRef>
+            <a:fillRef idx="0">
+              <a:schemeClr val="accent1"/>
+            </a:fillRef>
+            <a:effectRef idx="0">
+              <a:schemeClr val="accent1"/>
+            </a:effectRef>
+            <a:fontRef idx="minor">
+              <a:schemeClr val="tx1"/>
+            </a:fontRef>
+          </p:style>
+        </p:cxnSp>
+      </p:grpSp>
     </p:spTree>
     <p:extLst>
       <p:ext uri="{BB962C8B-B14F-4D97-AF65-F5344CB8AC3E}">

--- a/clase4/teorica_4.pptx
+++ b/clase4/teorica_4.pptx
@@ -9103,7 +9103,7 @@
           </a:bodyPr>
           <a:lstStyle/>
           <a:p>
-            <a:pPr marL="0" lvl="0" indent="0" algn="ctr" rtl="0">
+            <a:pPr marL="0" lvl="0" indent="0" rtl="0">
               <a:spcBef>
                 <a:spcPts val="0"/>
               </a:spcBef>
@@ -9156,33 +9156,6 @@
           </a:p>
         </p:txBody>
       </p:sp>
-      <p:pic>
-        <p:nvPicPr>
-          <p:cNvPr id="61" name="Google Shape;61;p13"/>
-          <p:cNvPicPr preferRelativeResize="0"/>
-          <p:nvPr/>
-        </p:nvPicPr>
-        <p:blipFill rotWithShape="1">
-          <a:blip r:embed="rId3">
-            <a:alphaModFix/>
-          </a:blip>
-          <a:srcRect l="15544" t="36940" r="15948" b="37818"/>
-          <a:stretch/>
-        </p:blipFill>
-        <p:spPr>
-          <a:xfrm>
-            <a:off x="7164052" y="284375"/>
-            <a:ext cx="1684874" cy="465550"/>
-          </a:xfrm>
-          <a:prstGeom prst="rect">
-            <a:avLst/>
-          </a:prstGeom>
-          <a:noFill/>
-          <a:ln>
-            <a:noFill/>
-          </a:ln>
-        </p:spPr>
-      </p:pic>
     </p:spTree>
   </p:cSld>
   <p:clrMapOvr>
@@ -20042,7 +20015,7 @@
               <a:lstStyle/>
               <a:p>
                 <a:r>
-                  <a:rPr lang="es-MX" b="1" dirty="0">
+                  <a:rPr lang="es-MX" dirty="0">
                     <a:latin typeface="Proxima Nova" panose="020B0604020202020204" charset="0"/>
                   </a:rPr>
                   <a:t>¿Qué pasa si al estimar el modelo </a:t>
@@ -20052,7 +20025,7 @@
                     <m:sSub>
                       <m:sSubPr>
                         <m:ctrlPr>
-                          <a:rPr lang="es-MX" b="1" i="1" smtClean="0">
+                          <a:rPr lang="es-MX" i="1" smtClean="0">
                             <a:solidFill>
                               <a:schemeClr val="tx1"/>
                             </a:solidFill>
@@ -20063,36 +20036,44 @@
                       </m:sSubPr>
                       <m:e>
                         <m:r>
-                          <a:rPr lang="es-MX" b="1" i="1">
+                          <a:rPr lang="es-MX" b="0" i="1">
                             <a:solidFill>
                               <a:schemeClr val="tx1"/>
                             </a:solidFill>
                             <a:latin typeface="Cambria Math" panose="02040503050406030204" pitchFamily="18" charset="0"/>
                             <a:ea typeface="Cambria Math" panose="02040503050406030204" pitchFamily="18" charset="0"/>
                           </a:rPr>
-                          <m:t>𝜷</m:t>
+                          <m:t>𝛽</m:t>
                         </m:r>
                       </m:e>
                       <m:sub>
                         <m:r>
-                          <a:rPr lang="es-MX" b="1" i="1" smtClean="0">
+                          <a:rPr lang="es-MX" b="0" i="1" smtClean="0">
                             <a:solidFill>
                               <a:schemeClr val="tx1"/>
                             </a:solidFill>
                             <a:latin typeface="Cambria Math" panose="02040503050406030204" pitchFamily="18" charset="0"/>
                             <a:ea typeface="Cambria Math" panose="02040503050406030204" pitchFamily="18" charset="0"/>
                           </a:rPr>
-                          <m:t>𝒋</m:t>
+                          <m:t>𝑗</m:t>
                         </m:r>
                       </m:sub>
                     </m:sSub>
                   </m:oMath>
                 </a14:m>
                 <a:r>
-                  <a:rPr lang="es-MX" b="1" dirty="0">
+                  <a:rPr lang="es-MX" dirty="0">
                     <a:latin typeface="Proxima Nova" panose="020B0604020202020204" charset="0"/>
                   </a:rPr>
-                  <a:t> vale 0?, ¿Qué pasa si arroja valores muy negativos o muy positivos?</a:t>
+                  <a:t> vale 0? </a:t>
+                </a:r>
+              </a:p>
+              <a:p>
+                <a:r>
+                  <a:rPr lang="es-MX" dirty="0">
+                    <a:latin typeface="Proxima Nova" panose="020B0604020202020204" charset="0"/>
+                  </a:rPr>
+                  <a:t>¿Qué pasa si arroja valores muy negativos o muy positivos?</a:t>
                 </a:r>
                 <a:endParaRPr lang="es-AR" dirty="0">
                   <a:latin typeface="Proxima Nova" panose="020B0604020202020204" charset="0"/>
@@ -20127,7 +20108,7 @@
               <a:blipFill>
                 <a:blip r:embed="rId4"/>
                 <a:stretch>
-                  <a:fillRect l="-232" b="-12360"/>
+                  <a:fillRect l="-232" b="-11236"/>
                 </a:stretch>
               </a:blipFill>
             </p:spPr>
@@ -20168,7 +20149,7 @@
         </p:blipFill>
         <p:spPr>
           <a:xfrm>
-            <a:off x="0" y="1762348"/>
+            <a:off x="0" y="1902394"/>
             <a:ext cx="4642630" cy="2782314"/>
           </a:xfrm>
           <a:prstGeom prst="rect">
@@ -20198,7 +20179,7 @@
         </p:blipFill>
         <p:spPr>
           <a:xfrm>
-            <a:off x="4642630" y="1809165"/>
+            <a:off x="4642630" y="1949211"/>
             <a:ext cx="4475346" cy="2682061"/>
           </a:xfrm>
           <a:prstGeom prst="rect">

--- a/clase4/teorica_4.pptx
+++ b/clase4/teorica_4.pptx
@@ -9151,7 +9151,7 @@
             </a:pPr>
             <a:r>
               <a:rPr lang="es-AR" dirty="0"/>
-              <a:t>Diplomatura en Ciencias Sociales Computacionales y Humanidades Digitales (IDAES-UNSAM) – Marzo/Abril 2023</a:t>
+              <a:t>Diplomatura en Ciencias Sociales Computacionales y Humanidades Digitales (IDAES-UNSAM) </a:t>
             </a:r>
           </a:p>
         </p:txBody>
@@ -9306,8 +9306,8 @@
           </a:p>
         </p:txBody>
       </p:sp>
-      <mc:AlternateContent xmlns:mc="http://schemas.openxmlformats.org/markup-compatibility/2006" xmlns:a14="http://schemas.microsoft.com/office/drawing/2010/main">
-        <mc:Choice Requires="a14">
+      <mc:AlternateContent xmlns:mc="http://schemas.openxmlformats.org/markup-compatibility/2006">
+        <mc:Choice xmlns:a14="http://schemas.microsoft.com/office/drawing/2010/main" Requires="a14">
           <p:sp>
             <p:nvSpPr>
               <p:cNvPr id="6" name="Google Shape;182;p31">
@@ -9335,7 +9335,7 @@
             </p:spPr>
             <p:txBody>
               <a:bodyPr spcFirstLastPara="1" wrap="square" lIns="91425" tIns="91425" rIns="91425" bIns="91425" anchor="t" anchorCtr="0">
-                <a:normAutofit fontScale="92500" lnSpcReduction="20000"/>
+                <a:normAutofit/>
               </a:bodyPr>
               <a:lstStyle/>
               <a:p>
@@ -9781,171 +9781,6 @@
                   <a:rPr lang="es-MX" sz="1200" dirty="0"/>
                   <a:t>No lo podemos extender fácilmente a más de dos categorías porque estaríamos suponiendo un orden y equidistancia entre categorías.</a:t>
                 </a:r>
-              </a:p>
-              <a:p>
-                <a:pPr marL="0" indent="0">
-                  <a:spcAft>
-                    <a:spcPts val="600"/>
-                  </a:spcAft>
-                  <a:buNone/>
-                </a:pPr>
-                <a14:m>
-                  <m:oMathPara xmlns:m="http://schemas.openxmlformats.org/officeDocument/2006/math">
-                    <m:oMathParaPr>
-                      <m:jc m:val="centerGroup"/>
-                    </m:oMathParaPr>
-                    <m:oMath xmlns:m="http://schemas.openxmlformats.org/officeDocument/2006/math">
-                      <m:r>
-                        <a:rPr lang="es-MX" sz="1600" b="0" i="1" smtClean="0">
-                          <a:latin typeface="Cambria Math" panose="02040503050406030204" pitchFamily="18" charset="0"/>
-                        </a:rPr>
-                        <m:t>𝑌</m:t>
-                      </m:r>
-                      <m:r>
-                        <a:rPr lang="es-MX" sz="1600" b="0" i="1" smtClean="0">
-                          <a:latin typeface="Cambria Math" panose="02040503050406030204" pitchFamily="18" charset="0"/>
-                        </a:rPr>
-                        <m:t>=</m:t>
-                      </m:r>
-                      <m:d>
-                        <m:dPr>
-                          <m:begChr m:val="{"/>
-                          <m:endChr m:val=""/>
-                          <m:ctrlPr>
-                            <a:rPr lang="es-MX" sz="1600" b="0" i="1" smtClean="0">
-                              <a:latin typeface="Cambria Math" panose="02040503050406030204" pitchFamily="18" charset="0"/>
-                            </a:rPr>
-                          </m:ctrlPr>
-                        </m:dPr>
-                        <m:e>
-                          <m:eqArr>
-                            <m:eqArrPr>
-                              <m:ctrlPr>
-                                <a:rPr lang="es-MX" sz="1600" b="0" i="1" smtClean="0">
-                                  <a:latin typeface="Cambria Math" panose="02040503050406030204" pitchFamily="18" charset="0"/>
-                                </a:rPr>
-                              </m:ctrlPr>
-                            </m:eqArrPr>
-                            <m:e>
-                              <m:r>
-                                <a:rPr lang="es-MX" sz="1600" b="0" i="1" smtClean="0">
-                                  <a:latin typeface="Cambria Math" panose="02040503050406030204" pitchFamily="18" charset="0"/>
-                                </a:rPr>
-                                <m:t>0          </m:t>
-                              </m:r>
-                              <m:r>
-                                <a:rPr lang="es-MX" sz="1600" b="0" i="1" smtClean="0">
-                                  <a:latin typeface="Cambria Math" panose="02040503050406030204" pitchFamily="18" charset="0"/>
-                                </a:rPr>
-                                <m:t>𝑠𝑖</m:t>
-                              </m:r>
-                              <m:r>
-                                <a:rPr lang="es-MX" sz="1600" b="0" i="1" smtClean="0">
-                                  <a:latin typeface="Cambria Math" panose="02040503050406030204" pitchFamily="18" charset="0"/>
-                                </a:rPr>
-                                <m:t> </m:t>
-                              </m:r>
-                              <m:r>
-                                <a:rPr lang="es-MX" sz="1600" b="0" i="1" smtClean="0">
-                                  <a:latin typeface="Cambria Math" panose="02040503050406030204" pitchFamily="18" charset="0"/>
-                                </a:rPr>
-                                <m:t>𝑒𝑠</m:t>
-                              </m:r>
-                              <m:r>
-                                <a:rPr lang="es-MX" sz="1600" b="0" i="1" smtClean="0">
-                                  <a:latin typeface="Cambria Math" panose="02040503050406030204" pitchFamily="18" charset="0"/>
-                                </a:rPr>
-                                <m:t> </m:t>
-                              </m:r>
-                              <m:r>
-                                <a:rPr lang="es-MX" sz="1600" b="0" i="1" smtClean="0">
-                                  <a:latin typeface="Cambria Math" panose="02040503050406030204" pitchFamily="18" charset="0"/>
-                                </a:rPr>
-                                <m:t>𝑖𝑛𝑎𝑐𝑡𝑖𝑣𝑜</m:t>
-                              </m:r>
-                            </m:e>
-                            <m:e>
-                              <m:r>
-                                <a:rPr lang="es-MX" sz="1600" b="0" i="1" smtClean="0">
-                                  <a:latin typeface="Cambria Math" panose="02040503050406030204" pitchFamily="18" charset="0"/>
-                                </a:rPr>
-                                <m:t>1   </m:t>
-                              </m:r>
-                              <m:r>
-                                <a:rPr lang="es-MX" sz="1600" b="0" i="1" smtClean="0">
-                                  <a:latin typeface="Cambria Math" panose="02040503050406030204" pitchFamily="18" charset="0"/>
-                                </a:rPr>
-                                <m:t>𝑠𝑖</m:t>
-                              </m:r>
-                              <m:r>
-                                <a:rPr lang="es-MX" sz="1600" b="0" i="1" smtClean="0">
-                                  <a:latin typeface="Cambria Math" panose="02040503050406030204" pitchFamily="18" charset="0"/>
-                                </a:rPr>
-                                <m:t> </m:t>
-                              </m:r>
-                              <m:r>
-                                <a:rPr lang="es-MX" sz="1600" b="0" i="1" smtClean="0">
-                                  <a:latin typeface="Cambria Math" panose="02040503050406030204" pitchFamily="18" charset="0"/>
-                                </a:rPr>
-                                <m:t>𝑒𝑠</m:t>
-                              </m:r>
-                              <m:r>
-                                <a:rPr lang="es-MX" sz="1600" b="0" i="1" smtClean="0">
-                                  <a:latin typeface="Cambria Math" panose="02040503050406030204" pitchFamily="18" charset="0"/>
-                                </a:rPr>
-                                <m:t> </m:t>
-                              </m:r>
-                              <m:r>
-                                <a:rPr lang="es-MX" sz="1600" b="0" i="1" smtClean="0">
-                                  <a:latin typeface="Cambria Math" panose="02040503050406030204" pitchFamily="18" charset="0"/>
-                                </a:rPr>
-                                <m:t>𝑑𝑒𝑠𝑜𝑐𝑢𝑝𝑎𝑑𝑜</m:t>
-                              </m:r>
-                            </m:e>
-                            <m:e>
-                              <m:r>
-                                <a:rPr lang="es-MX" sz="1600" b="0" i="1" smtClean="0">
-                                  <a:latin typeface="Cambria Math" panose="02040503050406030204" pitchFamily="18" charset="0"/>
-                                </a:rPr>
-                                <m:t>2         </m:t>
-                              </m:r>
-                              <m:r>
-                                <a:rPr lang="es-MX" sz="1600" b="0" i="1" smtClean="0">
-                                  <a:latin typeface="Cambria Math" panose="02040503050406030204" pitchFamily="18" charset="0"/>
-                                </a:rPr>
-                                <m:t>𝑠𝑖</m:t>
-                              </m:r>
-                              <m:r>
-                                <a:rPr lang="es-MX" sz="1600" b="0" i="1" smtClean="0">
-                                  <a:latin typeface="Cambria Math" panose="02040503050406030204" pitchFamily="18" charset="0"/>
-                                </a:rPr>
-                                <m:t> </m:t>
-                              </m:r>
-                              <m:r>
-                                <a:rPr lang="es-MX" sz="1600" b="0" i="1" smtClean="0">
-                                  <a:latin typeface="Cambria Math" panose="02040503050406030204" pitchFamily="18" charset="0"/>
-                                </a:rPr>
-                                <m:t>𝑒𝑠</m:t>
-                              </m:r>
-                              <m:r>
-                                <a:rPr lang="es-MX" sz="1600" b="0" i="1" smtClean="0">
-                                  <a:latin typeface="Cambria Math" panose="02040503050406030204" pitchFamily="18" charset="0"/>
-                                </a:rPr>
-                                <m:t> </m:t>
-                              </m:r>
-                              <m:r>
-                                <a:rPr lang="es-MX" sz="1600" b="0" i="1" smtClean="0">
-                                  <a:latin typeface="Cambria Math" panose="02040503050406030204" pitchFamily="18" charset="0"/>
-                                </a:rPr>
-                                <m:t>𝑜𝑐𝑢𝑝𝑎𝑑𝑜</m:t>
-                              </m:r>
-                            </m:e>
-                          </m:eqArr>
-                        </m:e>
-                      </m:d>
-                    </m:oMath>
-                  </m:oMathPara>
-                </a14:m>
                 <a:endParaRPr lang="es-MX" sz="1600" dirty="0"/>
               </a:p>
               <a:p>
@@ -9981,7 +9816,7 @@
             </p:txBody>
           </p:sp>
         </mc:Choice>
-        <mc:Fallback xmlns="">
+        <mc:Fallback>
           <p:sp>
             <p:nvSpPr>
               <p:cNvPr id="6" name="Google Shape;182;p31">
@@ -10009,7 +9844,7 @@
               <a:blipFill>
                 <a:blip r:embed="rId3"/>
                 <a:stretch>
-                  <a:fillRect l="-798" t="-436"/>
+                  <a:fillRect l="-798"/>
                 </a:stretch>
               </a:blipFill>
             </p:spPr>
@@ -10057,7 +9892,7 @@
         </p:blipFill>
         <p:spPr bwMode="auto">
           <a:xfrm>
-            <a:off x="5046349" y="1353198"/>
+            <a:off x="5053906" y="1032526"/>
             <a:ext cx="3899366" cy="2437103"/>
           </a:xfrm>
           <a:prstGeom prst="rect">
@@ -10075,6 +9910,244 @@
           </a:extLst>
         </p:spPr>
       </p:pic>
+      <mc:AlternateContent xmlns:mc="http://schemas.openxmlformats.org/markup-compatibility/2006">
+        <mc:Choice xmlns:a14="http://schemas.microsoft.com/office/drawing/2010/main" Requires="a14">
+          <p:sp>
+            <p:nvSpPr>
+              <p:cNvPr id="7" name="CuadroTexto 6">
+                <a:extLst>
+                  <a:ext uri="{FF2B5EF4-FFF2-40B4-BE49-F238E27FC236}">
+                    <a16:creationId xmlns:a16="http://schemas.microsoft.com/office/drawing/2014/main" id="{8D8B43F2-5357-40A8-BA68-8C232E792C8A}"/>
+                  </a:ext>
+                </a:extLst>
+              </p:cNvPr>
+              <p:cNvSpPr txBox="1"/>
+              <p:nvPr/>
+            </p:nvSpPr>
+            <p:spPr>
+              <a:xfrm>
+                <a:off x="4260300" y="3878829"/>
+                <a:ext cx="4572000" cy="780150"/>
+              </a:xfrm>
+              <a:prstGeom prst="rect">
+                <a:avLst/>
+              </a:prstGeom>
+              <a:noFill/>
+            </p:spPr>
+            <p:txBody>
+              <a:bodyPr wrap="square">
+                <a:spAutoFit/>
+              </a:bodyPr>
+              <a:lstStyle/>
+              <a:p>
+                <a:pPr/>
+                <a14:m>
+                  <m:oMathPara xmlns:m="http://schemas.openxmlformats.org/officeDocument/2006/math">
+                    <m:oMathParaPr>
+                      <m:jc m:val="centerGroup"/>
+                    </m:oMathParaPr>
+                    <m:oMath xmlns:m="http://schemas.openxmlformats.org/officeDocument/2006/math">
+                      <m:r>
+                        <a:rPr lang="es-MX" sz="1400" b="0" i="1" smtClean="0">
+                          <a:latin typeface="Cambria Math" panose="02040503050406030204" pitchFamily="18" charset="0"/>
+                        </a:rPr>
+                        <m:t>𝑌</m:t>
+                      </m:r>
+                      <m:r>
+                        <a:rPr lang="es-MX" sz="1400" b="0" i="1" smtClean="0">
+                          <a:latin typeface="Cambria Math" panose="02040503050406030204" pitchFamily="18" charset="0"/>
+                        </a:rPr>
+                        <m:t>=</m:t>
+                      </m:r>
+                      <m:d>
+                        <m:dPr>
+                          <m:begChr m:val="{"/>
+                          <m:endChr m:val=""/>
+                          <m:ctrlPr>
+                            <a:rPr lang="es-MX" sz="1400" b="0" i="1" smtClean="0">
+                              <a:latin typeface="Cambria Math" panose="02040503050406030204" pitchFamily="18" charset="0"/>
+                            </a:rPr>
+                          </m:ctrlPr>
+                        </m:dPr>
+                        <m:e>
+                          <m:eqArr>
+                            <m:eqArrPr>
+                              <m:ctrlPr>
+                                <a:rPr lang="es-MX" sz="1400" b="0" i="1" smtClean="0">
+                                  <a:latin typeface="Cambria Math" panose="02040503050406030204" pitchFamily="18" charset="0"/>
+                                </a:rPr>
+                              </m:ctrlPr>
+                            </m:eqArrPr>
+                            <m:e>
+                              <m:r>
+                                <a:rPr lang="es-MX" sz="1400" b="0" i="1" smtClean="0">
+                                  <a:latin typeface="Cambria Math" panose="02040503050406030204" pitchFamily="18" charset="0"/>
+                                </a:rPr>
+                                <m:t>0          </m:t>
+                              </m:r>
+                              <m:r>
+                                <a:rPr lang="es-MX" sz="1400" b="0" i="1" smtClean="0">
+                                  <a:latin typeface="Cambria Math" panose="02040503050406030204" pitchFamily="18" charset="0"/>
+                                </a:rPr>
+                                <m:t>𝑠𝑖</m:t>
+                              </m:r>
+                              <m:r>
+                                <a:rPr lang="es-MX" sz="1400" b="0" i="1" smtClean="0">
+                                  <a:latin typeface="Cambria Math" panose="02040503050406030204" pitchFamily="18" charset="0"/>
+                                </a:rPr>
+                                <m:t> </m:t>
+                              </m:r>
+                              <m:r>
+                                <a:rPr lang="es-MX" sz="1400" b="0" i="1" smtClean="0">
+                                  <a:latin typeface="Cambria Math" panose="02040503050406030204" pitchFamily="18" charset="0"/>
+                                </a:rPr>
+                                <m:t>𝑒𝑠</m:t>
+                              </m:r>
+                              <m:r>
+                                <a:rPr lang="es-MX" sz="1400" b="0" i="1" smtClean="0">
+                                  <a:latin typeface="Cambria Math" panose="02040503050406030204" pitchFamily="18" charset="0"/>
+                                </a:rPr>
+                                <m:t> </m:t>
+                              </m:r>
+                              <m:r>
+                                <a:rPr lang="es-MX" sz="1400" b="0" i="1" smtClean="0">
+                                  <a:latin typeface="Cambria Math" panose="02040503050406030204" pitchFamily="18" charset="0"/>
+                                </a:rPr>
+                                <m:t>𝑖𝑛𝑎𝑐𝑡𝑖𝑣𝑜</m:t>
+                              </m:r>
+                            </m:e>
+                            <m:e>
+                              <m:r>
+                                <a:rPr lang="es-MX" sz="1400" b="0" i="1" smtClean="0">
+                                  <a:latin typeface="Cambria Math" panose="02040503050406030204" pitchFamily="18" charset="0"/>
+                                </a:rPr>
+                                <m:t>1   </m:t>
+                              </m:r>
+                              <m:r>
+                                <a:rPr lang="es-MX" sz="1400" b="0" i="1" smtClean="0">
+                                  <a:latin typeface="Cambria Math" panose="02040503050406030204" pitchFamily="18" charset="0"/>
+                                </a:rPr>
+                                <m:t>𝑠𝑖</m:t>
+                              </m:r>
+                              <m:r>
+                                <a:rPr lang="es-MX" sz="1400" b="0" i="1" smtClean="0">
+                                  <a:latin typeface="Cambria Math" panose="02040503050406030204" pitchFamily="18" charset="0"/>
+                                </a:rPr>
+                                <m:t> </m:t>
+                              </m:r>
+                              <m:r>
+                                <a:rPr lang="es-MX" sz="1400" b="0" i="1" smtClean="0">
+                                  <a:latin typeface="Cambria Math" panose="02040503050406030204" pitchFamily="18" charset="0"/>
+                                </a:rPr>
+                                <m:t>𝑒𝑠</m:t>
+                              </m:r>
+                              <m:r>
+                                <a:rPr lang="es-MX" sz="1400" b="0" i="1" smtClean="0">
+                                  <a:latin typeface="Cambria Math" panose="02040503050406030204" pitchFamily="18" charset="0"/>
+                                </a:rPr>
+                                <m:t> </m:t>
+                              </m:r>
+                              <m:r>
+                                <a:rPr lang="es-MX" sz="1400" b="0" i="1" smtClean="0">
+                                  <a:latin typeface="Cambria Math" panose="02040503050406030204" pitchFamily="18" charset="0"/>
+                                </a:rPr>
+                                <m:t>𝑑𝑒𝑠𝑜𝑐𝑢𝑝𝑎𝑑𝑜</m:t>
+                              </m:r>
+                            </m:e>
+                            <m:e>
+                              <m:r>
+                                <a:rPr lang="es-MX" sz="1400" b="0" i="1" smtClean="0">
+                                  <a:latin typeface="Cambria Math" panose="02040503050406030204" pitchFamily="18" charset="0"/>
+                                </a:rPr>
+                                <m:t>2         </m:t>
+                              </m:r>
+                              <m:r>
+                                <a:rPr lang="es-MX" sz="1400" b="0" i="1" smtClean="0">
+                                  <a:latin typeface="Cambria Math" panose="02040503050406030204" pitchFamily="18" charset="0"/>
+                                </a:rPr>
+                                <m:t>𝑠𝑖</m:t>
+                              </m:r>
+                              <m:r>
+                                <a:rPr lang="es-MX" sz="1400" b="0" i="1" smtClean="0">
+                                  <a:latin typeface="Cambria Math" panose="02040503050406030204" pitchFamily="18" charset="0"/>
+                                </a:rPr>
+                                <m:t> </m:t>
+                              </m:r>
+                              <m:r>
+                                <a:rPr lang="es-MX" sz="1400" b="0" i="1" smtClean="0">
+                                  <a:latin typeface="Cambria Math" panose="02040503050406030204" pitchFamily="18" charset="0"/>
+                                </a:rPr>
+                                <m:t>𝑒𝑠</m:t>
+                              </m:r>
+                              <m:r>
+                                <a:rPr lang="es-MX" sz="1400" b="0" i="1" smtClean="0">
+                                  <a:latin typeface="Cambria Math" panose="02040503050406030204" pitchFamily="18" charset="0"/>
+                                </a:rPr>
+                                <m:t> </m:t>
+                              </m:r>
+                              <m:r>
+                                <a:rPr lang="es-MX" sz="1400" b="0" i="1" smtClean="0">
+                                  <a:latin typeface="Cambria Math" panose="02040503050406030204" pitchFamily="18" charset="0"/>
+                                </a:rPr>
+                                <m:t>𝑜𝑐𝑢𝑝𝑎𝑑𝑜</m:t>
+                              </m:r>
+                            </m:e>
+                          </m:eqArr>
+                        </m:e>
+                      </m:d>
+                    </m:oMath>
+                  </m:oMathPara>
+                </a14:m>
+                <a:endParaRPr lang="es-AR" dirty="0"/>
+              </a:p>
+            </p:txBody>
+          </p:sp>
+        </mc:Choice>
+        <mc:Fallback>
+          <p:sp>
+            <p:nvSpPr>
+              <p:cNvPr id="7" name="CuadroTexto 6">
+                <a:extLst>
+                  <a:ext uri="{FF2B5EF4-FFF2-40B4-BE49-F238E27FC236}">
+                    <a16:creationId xmlns:a16="http://schemas.microsoft.com/office/drawing/2014/main" id="{8D8B43F2-5357-40A8-BA68-8C232E792C8A}"/>
+                  </a:ext>
+                </a:extLst>
+              </p:cNvPr>
+              <p:cNvSpPr txBox="1">
+                <a:spLocks noRot="1" noChangeAspect="1" noMove="1" noResize="1" noEditPoints="1" noAdjustHandles="1" noChangeArrowheads="1" noChangeShapeType="1" noTextEdit="1"/>
+              </p:cNvSpPr>
+              <p:nvPr/>
+            </p:nvSpPr>
+            <p:spPr>
+              <a:xfrm>
+                <a:off x="4260300" y="3878829"/>
+                <a:ext cx="4572000" cy="780150"/>
+              </a:xfrm>
+              <a:prstGeom prst="rect">
+                <a:avLst/>
+              </a:prstGeom>
+              <a:blipFill>
+                <a:blip r:embed="rId5"/>
+                <a:stretch>
+                  <a:fillRect/>
+                </a:stretch>
+              </a:blipFill>
+            </p:spPr>
+            <p:txBody>
+              <a:bodyPr/>
+              <a:lstStyle/>
+              <a:p>
+                <a:r>
+                  <a:rPr lang="es-AR">
+                    <a:noFill/>
+                  </a:rPr>
+                  <a:t> </a:t>
+                </a:r>
+              </a:p>
+            </p:txBody>
+          </p:sp>
+        </mc:Fallback>
+      </mc:AlternateContent>
     </p:spTree>
     <p:extLst>
       <p:ext uri="{BB962C8B-B14F-4D97-AF65-F5344CB8AC3E}">
@@ -10996,7 +11069,7 @@
                 </a14:m>
                 <a:r>
                   <a:rPr lang="es-MX" sz="1200" dirty="0"/>
-                  <a:t>, el ratio es 4 (las chances son 4 a 1)</a:t>
+                  <a:t>, el ratio es 4 (las chances son 4 a 1, 80% a 20%)</a:t>
                 </a:r>
               </a:p>
               <a:p>
@@ -12522,7 +12595,25 @@
                 </a:solidFill>
                 <a:latin typeface="Proxima Nova" panose="020B0604020202020204" charset="0"/>
               </a:rPr>
-              <a:t>En el clasificador de Bayes hay implícita una “ponderación” (todos pesan lo mismo) que puede no corresponderse con la relevancia relativa de cada error.</a:t>
+              <a:t>En el clasificador de Bayes hay implícita una “ponderación” (todos </a:t>
+            </a:r>
+            <a:r>
+              <a:rPr lang="es-MX" sz="1600">
+                <a:solidFill>
+                  <a:schemeClr val="accent3"/>
+                </a:solidFill>
+                <a:latin typeface="Proxima Nova" panose="020B0604020202020204" charset="0"/>
+              </a:rPr>
+              <a:t>los errores </a:t>
+            </a:r>
+            <a:r>
+              <a:rPr lang="es-MX" sz="1600" dirty="0">
+                <a:solidFill>
+                  <a:schemeClr val="accent3"/>
+                </a:solidFill>
+                <a:latin typeface="Proxima Nova" panose="020B0604020202020204" charset="0"/>
+              </a:rPr>
+              <a:t>pesan lo mismo) que puede no corresponderse con la relevancia relativa de cada error.</a:t>
             </a:r>
           </a:p>
           <a:p>
@@ -14866,7 +14957,25 @@
                 </a:solidFill>
                 <a:latin typeface="Proxima Nova" panose="020B0604020202020204" charset="0"/>
               </a:rPr>
-              <a:t>En el gráfico no vemos el umbral, pero cuando crece la curva se mueve hacia arriba y a la derecha. Una curva ROC que tocara la esquina superior izquierda nos diría que no tengo errores salvo con un umbral = 1 (clasifico a todos como positivos). </a:t>
+              <a:t>En el gráfico no vemos el umbral, </a:t>
+            </a:r>
+            <a:r>
+              <a:rPr lang="es-MX" sz="1600">
+                <a:solidFill>
+                  <a:schemeClr val="accent3"/>
+                </a:solidFill>
+                <a:latin typeface="Proxima Nova" panose="020B0604020202020204" charset="0"/>
+              </a:rPr>
+              <a:t>pero cuando este crece, </a:t>
+            </a:r>
+            <a:r>
+              <a:rPr lang="es-MX" sz="1600" dirty="0">
+                <a:solidFill>
+                  <a:schemeClr val="accent3"/>
+                </a:solidFill>
+                <a:latin typeface="Proxima Nova" panose="020B0604020202020204" charset="0"/>
+              </a:rPr>
+              <a:t>la curva se mueve hacia arriba y a la derecha. Una curva ROC que tocara la esquina superior izquierda nos diría que no tengo errores salvo con un umbral = 1 (clasifico a todos como positivos). </a:t>
             </a:r>
           </a:p>
           <a:p>
@@ -22179,7 +22288,23 @@
                   <a:schemeClr val="lt2"/>
                 </a:highlight>
               </a:rPr>
-              <a:t> de confusion y </a:t>
+              <a:t> de </a:t>
+            </a:r>
+            <a:r>
+              <a:rPr lang="en-GB" dirty="0" err="1">
+                <a:highlight>
+                  <a:schemeClr val="lt2"/>
+                </a:highlight>
+              </a:rPr>
+              <a:t>confusión</a:t>
+            </a:r>
+            <a:r>
+              <a:rPr lang="en-GB" dirty="0">
+                <a:highlight>
+                  <a:schemeClr val="lt2"/>
+                </a:highlight>
+              </a:rPr>
+              <a:t> y </a:t>
             </a:r>
             <a:r>
               <a:rPr lang="en-GB" dirty="0" err="1">
@@ -23018,8 +23143,8 @@
           </a:p>
         </p:txBody>
       </p:sp>
-      <mc:AlternateContent xmlns:mc="http://schemas.openxmlformats.org/markup-compatibility/2006" xmlns:a14="http://schemas.microsoft.com/office/drawing/2010/main">
-        <mc:Choice Requires="a14">
+      <mc:AlternateContent xmlns:mc="http://schemas.openxmlformats.org/markup-compatibility/2006">
+        <mc:Choice xmlns:a14="http://schemas.microsoft.com/office/drawing/2010/main" Requires="a14">
           <p:sp>
             <p:nvSpPr>
               <p:cNvPr id="6" name="Google Shape;182;p31">
@@ -23038,8 +23163,8 @@
             </p:nvSpPr>
             <p:spPr>
               <a:xfrm>
-                <a:off x="311700" y="874597"/>
-                <a:ext cx="4912431" cy="3791570"/>
+                <a:off x="311700" y="710426"/>
+                <a:ext cx="5224268" cy="4131177"/>
               </a:xfrm>
               <a:prstGeom prst="rect">
                 <a:avLst/>
@@ -23047,7 +23172,7 @@
             </p:spPr>
             <p:txBody>
               <a:bodyPr spcFirstLastPara="1" wrap="square" lIns="91425" tIns="91425" rIns="91425" bIns="91425" anchor="t" anchorCtr="0">
-                <a:normAutofit/>
+                <a:noAutofit/>
               </a:bodyPr>
               <a:lstStyle/>
               <a:p>
@@ -23220,6 +23345,41 @@
                 </a:pPr>
                 <a:r>
                   <a:rPr lang="es-MX" sz="1600" dirty="0"/>
+                  <a:t>Imaginamos que las </a:t>
+                </a:r>
+                <a14:m>
+                  <m:oMath xmlns:m="http://schemas.openxmlformats.org/officeDocument/2006/math">
+                    <m:r>
+                      <a:rPr lang="es-MX" sz="1600" b="0" i="1" smtClean="0">
+                        <a:latin typeface="Cambria Math" panose="02040503050406030204" pitchFamily="18" charset="0"/>
+                      </a:rPr>
+                      <m:t>𝑋</m:t>
+                    </m:r>
+                  </m:oMath>
+                </a14:m>
+                <a:r>
+                  <a:rPr lang="es-MX" sz="1600" dirty="0"/>
+                  <a:t> están asociadas a la </a:t>
+                </a:r>
+                <a:r>
+                  <a:rPr lang="es-MX" sz="1600" i="1" dirty="0"/>
+                  <a:t>probabilidad</a:t>
+                </a:r>
+                <a:r>
+                  <a:rPr lang="es-MX" sz="1600" dirty="0"/>
+                  <a:t> de pertenecer a cada clase. </a:t>
+                </a:r>
+              </a:p>
+              <a:p>
+                <a:pPr marL="285750" indent="-285750">
+                  <a:spcAft>
+                    <a:spcPts val="600"/>
+                  </a:spcAft>
+                  <a:buFont typeface="Wingdings" panose="05000000000000000000" pitchFamily="2" charset="2"/>
+                  <a:buChar char="§"/>
+                </a:pPr>
+                <a:r>
+                  <a:rPr lang="es-MX" sz="1600" dirty="0"/>
                   <a:t>Podríamos calcular la probabilidad de pertenecer a una clase (naranja) dadas las </a:t>
                 </a:r>
                 <a14:m>
@@ -23255,22 +23415,12 @@
                   <a:buFont typeface="Wingdings" panose="05000000000000000000" pitchFamily="2" charset="2"/>
                   <a:buChar char="§"/>
                 </a:pPr>
-                <a:endParaRPr lang="es-MX" sz="1600" dirty="0"/>
-              </a:p>
-              <a:p>
-                <a:pPr marL="285750" indent="-285750">
-                  <a:spcAft>
-                    <a:spcPts val="600"/>
-                  </a:spcAft>
-                  <a:buFont typeface="Wingdings" panose="05000000000000000000" pitchFamily="2" charset="2"/>
-                  <a:buChar char="§"/>
-                </a:pPr>
                 <a:endParaRPr sz="1600" dirty="0"/>
               </a:p>
             </p:txBody>
           </p:sp>
         </mc:Choice>
-        <mc:Fallback xmlns="">
+        <mc:Fallback>
           <p:sp>
             <p:nvSpPr>
               <p:cNvPr id="6" name="Google Shape;182;p31">
@@ -23289,8 +23439,8 @@
             </p:nvSpPr>
             <p:spPr>
               <a:xfrm>
-                <a:off x="311700" y="874597"/>
-                <a:ext cx="4912431" cy="3791570"/>
+                <a:off x="311700" y="710426"/>
+                <a:ext cx="5224268" cy="4131177"/>
               </a:xfrm>
               <a:prstGeom prst="rect">
                 <a:avLst/>
@@ -23298,7 +23448,7 @@
               <a:blipFill>
                 <a:blip r:embed="rId3"/>
                 <a:stretch>
-                  <a:fillRect l="-744" r="-1613"/>
+                  <a:fillRect l="-700" b="-5908"/>
                 </a:stretch>
               </a:blipFill>
             </p:spPr>
@@ -24252,7 +24402,7 @@
         </p:nvSpPr>
         <p:spPr>
           <a:xfrm>
-            <a:off x="6795863" y="4365208"/>
+            <a:off x="6617354" y="4365208"/>
             <a:ext cx="414897" cy="291415"/>
           </a:xfrm>
           <a:prstGeom prst="mathMultiply">
